--- a/slides/Slides.pptx
+++ b/slides/Slides.pptx
@@ -2,65 +2,67 @@
 <file path=ppt/presentation.xml><?xml version="1.0" encoding="utf-8"?>
 <p:presentation xmlns:a="http://schemas.openxmlformats.org/drawingml/2006/main" xmlns:r="http://schemas.openxmlformats.org/officeDocument/2006/relationships" xmlns:p="http://schemas.openxmlformats.org/presentationml/2006/main" embedTrueTypeFonts="1">
   <p:sldMasterIdLst>
-    <p:sldMasterId id="2147483648" r:id="rId58"/>
+    <p:sldMasterId id="2147483648" r:id="rId62"/>
   </p:sldMasterIdLst>
   <p:notesMasterIdLst>
-    <p:notesMasterId r:id="rId85"/>
+    <p:notesMasterId r:id="rId91"/>
   </p:notesMasterIdLst>
   <p:handoutMasterIdLst>
-    <p:handoutMasterId r:id="rId86"/>
+    <p:handoutMasterId r:id="rId92"/>
   </p:handoutMasterIdLst>
   <p:sldIdLst>
-    <p:sldId id="256" r:id="rId59"/>
-    <p:sldId id="270" r:id="rId60"/>
-    <p:sldId id="271" r:id="rId61"/>
-    <p:sldId id="275" r:id="rId62"/>
-    <p:sldId id="276" r:id="rId63"/>
-    <p:sldId id="272" r:id="rId64"/>
-    <p:sldId id="273" r:id="rId65"/>
-    <p:sldId id="274" r:id="rId66"/>
-    <p:sldId id="277" r:id="rId67"/>
-    <p:sldId id="278" r:id="rId68"/>
-    <p:sldId id="279" r:id="rId69"/>
-    <p:sldId id="280" r:id="rId70"/>
-    <p:sldId id="281" r:id="rId71"/>
-    <p:sldId id="257" r:id="rId72"/>
-    <p:sldId id="258" r:id="rId73"/>
-    <p:sldId id="259" r:id="rId74"/>
-    <p:sldId id="260" r:id="rId75"/>
-    <p:sldId id="261" r:id="rId76"/>
-    <p:sldId id="262" r:id="rId77"/>
-    <p:sldId id="263" r:id="rId78"/>
-    <p:sldId id="264" r:id="rId79"/>
-    <p:sldId id="265" r:id="rId80"/>
-    <p:sldId id="266" r:id="rId81"/>
-    <p:sldId id="267" r:id="rId82"/>
-    <p:sldId id="268" r:id="rId83"/>
-    <p:sldId id="269" r:id="rId84"/>
+    <p:sldId id="256" r:id="rId63"/>
+    <p:sldId id="270" r:id="rId64"/>
+    <p:sldId id="271" r:id="rId65"/>
+    <p:sldId id="275" r:id="rId66"/>
+    <p:sldId id="276" r:id="rId67"/>
+    <p:sldId id="272" r:id="rId68"/>
+    <p:sldId id="273" r:id="rId69"/>
+    <p:sldId id="274" r:id="rId70"/>
+    <p:sldId id="277" r:id="rId71"/>
+    <p:sldId id="278" r:id="rId72"/>
+    <p:sldId id="279" r:id="rId73"/>
+    <p:sldId id="280" r:id="rId74"/>
+    <p:sldId id="281" r:id="rId75"/>
+    <p:sldId id="283" r:id="rId76"/>
+    <p:sldId id="282" r:id="rId77"/>
+    <p:sldId id="257" r:id="rId78"/>
+    <p:sldId id="258" r:id="rId79"/>
+    <p:sldId id="259" r:id="rId80"/>
+    <p:sldId id="260" r:id="rId81"/>
+    <p:sldId id="261" r:id="rId82"/>
+    <p:sldId id="262" r:id="rId83"/>
+    <p:sldId id="263" r:id="rId84"/>
+    <p:sldId id="264" r:id="rId85"/>
+    <p:sldId id="265" r:id="rId86"/>
+    <p:sldId id="266" r:id="rId87"/>
+    <p:sldId id="267" r:id="rId88"/>
+    <p:sldId id="268" r:id="rId89"/>
+    <p:sldId id="269" r:id="rId90"/>
   </p:sldIdLst>
   <p:sldSz cx="12192000" cy="6858000"/>
   <p:notesSz cx="6858000" cy="9144000"/>
   <p:embeddedFontLst>
     <p:embeddedFont>
       <p:font typeface="AA Zuehlke" panose="02000503060000020004" pitchFamily="2" charset="0"/>
-      <p:regular r:id="rId87"/>
-      <p:italic r:id="rId88"/>
+      <p:regular r:id="rId93"/>
+      <p:italic r:id="rId94"/>
     </p:embeddedFont>
     <p:embeddedFont>
       <p:font typeface="AA Zuehlke Medium" panose="02000603060000020004" pitchFamily="2" charset="0"/>
-      <p:regular r:id="rId89"/>
-      <p:italic r:id="rId90"/>
+      <p:regular r:id="rId95"/>
+      <p:italic r:id="rId96"/>
     </p:embeddedFont>
     <p:embeddedFont>
       <p:font typeface="Consolas" panose="020B0609020204030204" pitchFamily="49" charset="0"/>
-      <p:regular r:id="rId91"/>
-      <p:bold r:id="rId92"/>
-      <p:italic r:id="rId93"/>
-      <p:boldItalic r:id="rId94"/>
+      <p:regular r:id="rId97"/>
+      <p:bold r:id="rId98"/>
+      <p:italic r:id="rId99"/>
+      <p:boldItalic r:id="rId100"/>
     </p:embeddedFont>
   </p:embeddedFontLst>
   <p:custDataLst>
-    <p:tags r:id="rId95"/>
+    <p:tags r:id="rId101"/>
   </p:custDataLst>
   <p:defaultTextStyle>
     <a:defPPr>
@@ -265,7 +267,7 @@
               <a:rPr lang="en-GB" smtClean="0">
                 <a:latin typeface="AA Zuehlke" pitchFamily="2" charset="0"/>
               </a:rPr>
-              <a:t>23/08/2019</a:t>
+              <a:t>10/09/2019</a:t>
             </a:fld>
             <a:endParaRPr lang="en-GB">
               <a:latin typeface="AA Zuehlke" pitchFamily="2" charset="0"/>
@@ -449,7 +451,7 @@
             <a:fld id="{A6966AE6-B72D-4967-9CA3-8469D2863705}" type="datetimeFigureOut">
               <a:rPr lang="en-GB" noProof="0" smtClean="0"/>
               <a:pPr/>
-              <a:t>23/08/2019</a:t>
+              <a:t>10/09/2019</a:t>
             </a:fld>
             <a:endParaRPr lang="en-GB" noProof="0"/>
           </a:p>
@@ -1028,6 +1030,314 @@
     <p:extLst>
       <p:ext uri="{BB962C8B-B14F-4D97-AF65-F5344CB8AC3E}">
         <p14:creationId xmlns:p14="http://schemas.microsoft.com/office/powerpoint/2010/main" val="3798022374"/>
+      </p:ext>
+    </p:extLst>
+  </p:cSld>
+  <p:clrMapOvr>
+    <a:masterClrMapping/>
+  </p:clrMapOvr>
+</p:notes>
+</file>
+
+<file path=ppt/notesSlides/notesSlide2.xml><?xml version="1.0" encoding="utf-8"?>
+<p:notes xmlns:a="http://schemas.openxmlformats.org/drawingml/2006/main" xmlns:r="http://schemas.openxmlformats.org/officeDocument/2006/relationships" xmlns:p="http://schemas.openxmlformats.org/presentationml/2006/main">
+  <p:cSld>
+    <p:spTree>
+      <p:nvGrpSpPr>
+        <p:cNvPr id="1" name=""/>
+        <p:cNvGrpSpPr/>
+        <p:nvPr/>
+      </p:nvGrpSpPr>
+      <p:grpSpPr>
+        <a:xfrm>
+          <a:off x="0" y="0"/>
+          <a:ext cx="0" cy="0"/>
+          <a:chOff x="0" y="0"/>
+          <a:chExt cx="0" cy="0"/>
+        </a:xfrm>
+      </p:grpSpPr>
+      <p:sp>
+        <p:nvSpPr>
+          <p:cNvPr id="2" name="Slide Image Placeholder 1"/>
+          <p:cNvSpPr>
+            <a:spLocks noGrp="1" noRot="1" noChangeAspect="1"/>
+          </p:cNvSpPr>
+          <p:nvPr>
+            <p:ph type="sldImg"/>
+          </p:nvPr>
+        </p:nvSpPr>
+        <p:spPr/>
+      </p:sp>
+      <p:sp>
+        <p:nvSpPr>
+          <p:cNvPr id="3" name="Notes Placeholder 2"/>
+          <p:cNvSpPr>
+            <a:spLocks noGrp="1"/>
+          </p:cNvSpPr>
+          <p:nvPr>
+            <p:ph type="body" idx="1"/>
+          </p:nvPr>
+        </p:nvSpPr>
+        <p:spPr/>
+        <p:txBody>
+          <a:bodyPr/>
+          <a:lstStyle/>
+          <a:p>
+            <a:r>
+              <a:rPr lang="de-CH" dirty="0" err="1"/>
+              <a:t>public</a:t>
+            </a:r>
+            <a:r>
+              <a:rPr lang="de-CH" dirty="0"/>
+              <a:t> </a:t>
+            </a:r>
+            <a:r>
+              <a:rPr lang="de-CH" dirty="0" err="1"/>
+              <a:t>class</a:t>
+            </a:r>
+            <a:r>
+              <a:rPr lang="de-CH" dirty="0"/>
+              <a:t> </a:t>
+            </a:r>
+            <a:r>
+              <a:rPr lang="de-CH" dirty="0" err="1"/>
+              <a:t>SeleniumWrapper</a:t>
+            </a:r>
+            <a:r>
+              <a:rPr lang="de-CH" dirty="0"/>
+              <a:t> {    private </a:t>
+            </a:r>
+            <a:r>
+              <a:rPr lang="de-CH" dirty="0" err="1"/>
+              <a:t>static</a:t>
+            </a:r>
+            <a:r>
+              <a:rPr lang="de-CH" dirty="0"/>
+              <a:t> </a:t>
+            </a:r>
+            <a:r>
+              <a:rPr lang="de-CH" dirty="0" err="1"/>
+              <a:t>int</a:t>
+            </a:r>
+            <a:r>
+              <a:rPr lang="de-CH" dirty="0"/>
+              <a:t> TIMEOUT = 10;        private </a:t>
+            </a:r>
+            <a:r>
+              <a:rPr lang="de-CH" dirty="0" err="1"/>
+              <a:t>WebDriver</a:t>
+            </a:r>
+            <a:r>
+              <a:rPr lang="de-CH" dirty="0"/>
+              <a:t> </a:t>
+            </a:r>
+            <a:r>
+              <a:rPr lang="de-CH" dirty="0" err="1"/>
+              <a:t>driver</a:t>
+            </a:r>
+            <a:r>
+              <a:rPr lang="de-CH" dirty="0"/>
+              <a:t>;        </a:t>
+            </a:r>
+            <a:r>
+              <a:rPr lang="de-CH" dirty="0" err="1"/>
+              <a:t>public</a:t>
+            </a:r>
+            <a:r>
+              <a:rPr lang="de-CH" dirty="0"/>
+              <a:t> </a:t>
+            </a:r>
+            <a:r>
+              <a:rPr lang="de-CH" dirty="0" err="1"/>
+              <a:t>SeleniumWrapper</a:t>
+            </a:r>
+            <a:r>
+              <a:rPr lang="de-CH" dirty="0"/>
+              <a:t>(</a:t>
+            </a:r>
+            <a:r>
+              <a:rPr lang="de-CH" dirty="0" err="1"/>
+              <a:t>WebDriver</a:t>
+            </a:r>
+            <a:r>
+              <a:rPr lang="de-CH" dirty="0"/>
+              <a:t> </a:t>
+            </a:r>
+            <a:r>
+              <a:rPr lang="de-CH" dirty="0" err="1"/>
+              <a:t>driver</a:t>
+            </a:r>
+            <a:r>
+              <a:rPr lang="de-CH" dirty="0"/>
+              <a:t>) {        </a:t>
+            </a:r>
+            <a:r>
+              <a:rPr lang="de-CH" dirty="0" err="1"/>
+              <a:t>this.driver</a:t>
+            </a:r>
+            <a:r>
+              <a:rPr lang="de-CH" dirty="0"/>
+              <a:t> = </a:t>
+            </a:r>
+            <a:r>
+              <a:rPr lang="de-CH" dirty="0" err="1"/>
+              <a:t>driver</a:t>
+            </a:r>
+            <a:r>
+              <a:rPr lang="de-CH" dirty="0"/>
+              <a:t>;    }     </a:t>
+            </a:r>
+            <a:r>
+              <a:rPr lang="de-CH" dirty="0" err="1"/>
+              <a:t>public</a:t>
+            </a:r>
+            <a:r>
+              <a:rPr lang="de-CH" dirty="0"/>
+              <a:t> </a:t>
+            </a:r>
+            <a:r>
+              <a:rPr lang="de-CH" dirty="0" err="1"/>
+              <a:t>void</a:t>
+            </a:r>
+            <a:r>
+              <a:rPr lang="de-CH" dirty="0"/>
+              <a:t> </a:t>
+            </a:r>
+            <a:r>
+              <a:rPr lang="de-CH" dirty="0" err="1"/>
+              <a:t>click</a:t>
+            </a:r>
+            <a:r>
+              <a:rPr lang="de-CH" dirty="0"/>
+              <a:t>(By </a:t>
+            </a:r>
+            <a:r>
+              <a:rPr lang="de-CH" dirty="0" err="1"/>
+              <a:t>by</a:t>
+            </a:r>
+            <a:r>
+              <a:rPr lang="de-CH" dirty="0"/>
+              <a:t>){        </a:t>
+            </a:r>
+            <a:r>
+              <a:rPr lang="de-CH" dirty="0" err="1"/>
+              <a:t>WebDriverWait</a:t>
+            </a:r>
+            <a:r>
+              <a:rPr lang="de-CH" dirty="0"/>
+              <a:t> </a:t>
+            </a:r>
+            <a:r>
+              <a:rPr lang="de-CH" dirty="0" err="1"/>
+              <a:t>wait</a:t>
+            </a:r>
+            <a:r>
+              <a:rPr lang="de-CH" dirty="0"/>
+              <a:t> = </a:t>
+            </a:r>
+            <a:r>
+              <a:rPr lang="de-CH" dirty="0" err="1"/>
+              <a:t>new</a:t>
+            </a:r>
+            <a:r>
+              <a:rPr lang="de-CH" dirty="0"/>
+              <a:t> </a:t>
+            </a:r>
+            <a:r>
+              <a:rPr lang="de-CH" dirty="0" err="1"/>
+              <a:t>WebDriverWait</a:t>
+            </a:r>
+            <a:r>
+              <a:rPr lang="de-CH" dirty="0"/>
+              <a:t>(</a:t>
+            </a:r>
+            <a:r>
+              <a:rPr lang="de-CH" dirty="0" err="1"/>
+              <a:t>driver</a:t>
+            </a:r>
+            <a:r>
+              <a:rPr lang="de-CH" dirty="0"/>
+              <a:t>, TIMEOUT);        </a:t>
+            </a:r>
+            <a:r>
+              <a:rPr lang="de-CH" dirty="0" err="1"/>
+              <a:t>WebElement</a:t>
+            </a:r>
+            <a:r>
+              <a:rPr lang="de-CH" dirty="0"/>
+              <a:t> </a:t>
+            </a:r>
+            <a:r>
+              <a:rPr lang="de-CH" dirty="0" err="1"/>
+              <a:t>element</a:t>
+            </a:r>
+            <a:r>
+              <a:rPr lang="de-CH" dirty="0"/>
+              <a:t> = </a:t>
+            </a:r>
+            <a:r>
+              <a:rPr lang="de-CH" dirty="0" err="1"/>
+              <a:t>wait.until</a:t>
+            </a:r>
+            <a:r>
+              <a:rPr lang="de-CH" dirty="0"/>
+              <a:t>(</a:t>
+            </a:r>
+            <a:r>
+              <a:rPr lang="de-CH" dirty="0" err="1"/>
+              <a:t>ExpectedConditions.elementToBeClickable</a:t>
+            </a:r>
+            <a:r>
+              <a:rPr lang="de-CH" dirty="0"/>
+              <a:t>(</a:t>
+            </a:r>
+            <a:r>
+              <a:rPr lang="de-CH" dirty="0" err="1"/>
+              <a:t>by</a:t>
+            </a:r>
+            <a:r>
+              <a:rPr lang="de-CH" dirty="0"/>
+              <a:t>));        </a:t>
+            </a:r>
+            <a:r>
+              <a:rPr lang="de-CH" dirty="0" err="1"/>
+              <a:t>element.click</a:t>
+            </a:r>
+            <a:r>
+              <a:rPr lang="de-CH" dirty="0"/>
+              <a:t>();     }}</a:t>
+            </a:r>
+          </a:p>
+        </p:txBody>
+      </p:sp>
+      <p:sp>
+        <p:nvSpPr>
+          <p:cNvPr id="4" name="Slide Number Placeholder 3"/>
+          <p:cNvSpPr>
+            <a:spLocks noGrp="1"/>
+          </p:cNvSpPr>
+          <p:nvPr>
+            <p:ph type="sldNum" sz="quarter" idx="5"/>
+          </p:nvPr>
+        </p:nvSpPr>
+        <p:spPr/>
+        <p:txBody>
+          <a:bodyPr/>
+          <a:lstStyle/>
+          <a:p>
+            <a:fld id="{04E102C5-3B9C-48EE-BFF0-2E7AF2F2A1F4}" type="slidenum">
+              <a:rPr lang="en-GB" noProof="0" smtClean="0"/>
+              <a:pPr/>
+              <a:t>14</a:t>
+            </a:fld>
+            <a:endParaRPr lang="en-GB" noProof="0"/>
+          </a:p>
+        </p:txBody>
+      </p:sp>
+    </p:spTree>
+    <p:extLst>
+      <p:ext uri="{BB962C8B-B14F-4D97-AF65-F5344CB8AC3E}">
+        <p14:creationId xmlns:p14="http://schemas.microsoft.com/office/powerpoint/2010/main" val="692261983"/>
       </p:ext>
     </p:extLst>
   </p:cSld>
@@ -16002,24 +16312,78 @@
           </a:p>
         </p:txBody>
       </p:sp>
-      <p:sp>
-        <p:nvSpPr>
-          <p:cNvPr id="13" name="Picture Placeholder 12">
-            <a:extLst>
-              <a:ext uri="{FF2B5EF4-FFF2-40B4-BE49-F238E27FC236}">
-                <a16:creationId xmlns:a16="http://schemas.microsoft.com/office/drawing/2014/main" id="{182C3A96-BC36-43C2-BD6A-E8F00921C1FD}"/>
-              </a:ext>
-            </a:extLst>
-          </p:cNvPr>
-          <p:cNvSpPr>
-            <a:spLocks noGrp="1"/>
-          </p:cNvSpPr>
-          <p:nvPr>
-            <p:ph type="pic" sz="quarter" idx="13"/>
-          </p:nvPr>
-        </p:nvSpPr>
-        <p:spPr/>
-      </p:sp>
+      <p:pic>
+        <p:nvPicPr>
+          <p:cNvPr id="15" name="Picture 14" descr="A picture containing grass&#10;&#10;Description automatically generated">
+            <a:extLst>
+              <a:ext uri="{FF2B5EF4-FFF2-40B4-BE49-F238E27FC236}">
+                <a16:creationId xmlns:a16="http://schemas.microsoft.com/office/drawing/2014/main" id="{78A8A04A-1BD8-440B-A05A-568A0603B5AF}"/>
+              </a:ext>
+            </a:extLst>
+          </p:cNvPr>
+          <p:cNvPicPr>
+            <a:picLocks noChangeAspect="1"/>
+          </p:cNvPicPr>
+          <p:nvPr/>
+        </p:nvPicPr>
+        <p:blipFill>
+          <a:blip r:embed="rId5">
+            <a:extLst>
+              <a:ext uri="{28A0092B-C50C-407E-A947-70E740481C1C}">
+                <a14:useLocalDpi xmlns:a14="http://schemas.microsoft.com/office/drawing/2010/main" val="0"/>
+              </a:ext>
+            </a:extLst>
+          </a:blip>
+          <a:stretch>
+            <a:fillRect/>
+          </a:stretch>
+        </p:blipFill>
+        <p:spPr>
+          <a:xfrm rot="20247451">
+            <a:off x="6720771" y="2067078"/>
+            <a:ext cx="2066925" cy="3295650"/>
+          </a:xfrm>
+          <a:prstGeom prst="rect">
+            <a:avLst/>
+          </a:prstGeom>
+        </p:spPr>
+      </p:pic>
+      <p:pic>
+        <p:nvPicPr>
+          <p:cNvPr id="17" name="Picture 16" descr="A sign in front of a building&#10;&#10;Description automatically generated">
+            <a:extLst>
+              <a:ext uri="{FF2B5EF4-FFF2-40B4-BE49-F238E27FC236}">
+                <a16:creationId xmlns:a16="http://schemas.microsoft.com/office/drawing/2014/main" id="{FF002A0B-AF1A-4456-B95C-64F66BB85641}"/>
+              </a:ext>
+            </a:extLst>
+          </p:cNvPr>
+          <p:cNvPicPr>
+            <a:picLocks noChangeAspect="1"/>
+          </p:cNvPicPr>
+          <p:nvPr/>
+        </p:nvPicPr>
+        <p:blipFill>
+          <a:blip r:embed="rId6">
+            <a:extLst>
+              <a:ext uri="{28A0092B-C50C-407E-A947-70E740481C1C}">
+                <a14:useLocalDpi xmlns:a14="http://schemas.microsoft.com/office/drawing/2010/main" val="0"/>
+              </a:ext>
+            </a:extLst>
+          </a:blip>
+          <a:stretch>
+            <a:fillRect/>
+          </a:stretch>
+        </p:blipFill>
+        <p:spPr>
+          <a:xfrm rot="1405706">
+            <a:off x="9372727" y="2685578"/>
+            <a:ext cx="1680210" cy="3429000"/>
+          </a:xfrm>
+          <a:prstGeom prst="rect">
+            <a:avLst/>
+          </a:prstGeom>
+        </p:spPr>
+      </p:pic>
     </p:spTree>
     <p:custDataLst>
       <p:custData r:id="rId1"/>
@@ -16119,6 +16483,15 @@
               <a:t>Wrapper</a:t>
             </a:r>
           </a:p>
+          <a:p>
+            <a:r>
+              <a:rPr lang="de-CH" dirty="0"/>
+              <a:t>Cypress</a:t>
+            </a:r>
+          </a:p>
+          <a:p>
+            <a:endParaRPr lang="de-CH" dirty="0"/>
+          </a:p>
         </p:txBody>
       </p:sp>
       <p:sp>
@@ -16310,6 +16683,15 @@
               <a:t>Wrapper</a:t>
             </a:r>
           </a:p>
+          <a:p>
+            <a:r>
+              <a:rPr lang="de-CH" dirty="0"/>
+              <a:t>Cypress</a:t>
+            </a:r>
+          </a:p>
+          <a:p>
+            <a:endParaRPr lang="de-CH" dirty="0"/>
+          </a:p>
         </p:txBody>
       </p:sp>
       <p:sp>
@@ -16473,6 +16855,18 @@
               <a:t>Wrapper</a:t>
             </a:r>
           </a:p>
+          <a:p>
+            <a:r>
+              <a:rPr lang="de-CH" dirty="0"/>
+              <a:t>Cypress</a:t>
+            </a:r>
+          </a:p>
+          <a:p>
+            <a:pPr marL="0" indent="0">
+              <a:buNone/>
+            </a:pPr>
+            <a:endParaRPr lang="de-CH" dirty="0"/>
+          </a:p>
         </p:txBody>
       </p:sp>
       <p:sp>
@@ -16674,6 +17068,19 @@
               <a:t>Wrapper</a:t>
             </a:r>
           </a:p>
+          <a:p>
+            <a:r>
+              <a:rPr lang="de-CH" dirty="0"/>
+              <a:t>Cypress</a:t>
+            </a:r>
+          </a:p>
+          <a:p>
+            <a:endParaRPr lang="de-CH" dirty="0">
+              <a:solidFill>
+                <a:srgbClr val="FF9900"/>
+              </a:solidFill>
+            </a:endParaRPr>
+          </a:p>
         </p:txBody>
       </p:sp>
       <p:sp>
@@ -16796,18 +17203,18 @@
       </p:grpSpPr>
       <p:sp>
         <p:nvSpPr>
-          <p:cNvPr id="2" name="Title 1">
-            <a:extLst>
-              <a:ext uri="{FF2B5EF4-FFF2-40B4-BE49-F238E27FC236}">
-                <a16:creationId xmlns:a16="http://schemas.microsoft.com/office/drawing/2014/main" id="{09191897-2ADC-4361-B86A-F1B7D31F1D14}"/>
-              </a:ext>
-            </a:extLst>
-          </p:cNvPr>
-          <p:cNvSpPr>
-            <a:spLocks noGrp="1"/>
-          </p:cNvSpPr>
-          <p:nvPr>
-            <p:ph type="ctrTitle"/>
+          <p:cNvPr id="9" name="Content Placeholder 8">
+            <a:extLst>
+              <a:ext uri="{FF2B5EF4-FFF2-40B4-BE49-F238E27FC236}">
+                <a16:creationId xmlns:a16="http://schemas.microsoft.com/office/drawing/2014/main" id="{3A385D69-7F08-46EB-BD31-0C6975748BCB}"/>
+              </a:ext>
+            </a:extLst>
+          </p:cNvPr>
+          <p:cNvSpPr>
+            <a:spLocks noGrp="1"/>
+          </p:cNvSpPr>
+          <p:nvPr>
+            <p:ph sz="quarter" idx="14"/>
           </p:nvPr>
         </p:nvSpPr>
         <p:spPr/>
@@ -16815,42 +17222,78 @@
           <a:bodyPr/>
           <a:lstStyle/>
           <a:p>
-            <a:endParaRPr lang="en-GB" dirty="0"/>
-          </a:p>
-        </p:txBody>
-      </p:sp>
-      <p:sp>
-        <p:nvSpPr>
-          <p:cNvPr id="6" name="Picture Placeholder 5">
-            <a:extLst>
-              <a:ext uri="{FF2B5EF4-FFF2-40B4-BE49-F238E27FC236}">
-                <a16:creationId xmlns:a16="http://schemas.microsoft.com/office/drawing/2014/main" id="{4F02D7F5-3D8D-481F-98A4-B3CAFF5B33E4}"/>
-              </a:ext>
-            </a:extLst>
-          </p:cNvPr>
-          <p:cNvSpPr>
-            <a:spLocks noGrp="1"/>
-          </p:cNvSpPr>
-          <p:nvPr>
-            <p:ph type="pic" sz="quarter" idx="13"/>
-          </p:nvPr>
-        </p:nvSpPr>
-        <p:spPr/>
-      </p:sp>
-      <p:sp>
-        <p:nvSpPr>
-          <p:cNvPr id="7" name="Text Placeholder 6">
-            <a:extLst>
-              <a:ext uri="{FF2B5EF4-FFF2-40B4-BE49-F238E27FC236}">
-                <a16:creationId xmlns:a16="http://schemas.microsoft.com/office/drawing/2014/main" id="{0488A6D8-5AE8-4200-B6E1-39B6A785115B}"/>
-              </a:ext>
-            </a:extLst>
-          </p:cNvPr>
-          <p:cNvSpPr>
-            <a:spLocks noGrp="1"/>
-          </p:cNvSpPr>
-          <p:nvPr>
-            <p:ph type="body" sz="quarter" idx="14"/>
+            <a:r>
+              <a:rPr lang="de-CH" dirty="0" err="1"/>
+              <a:t>Implicit</a:t>
+            </a:r>
+            <a:endParaRPr lang="de-CH" dirty="0"/>
+          </a:p>
+          <a:p>
+            <a:r>
+              <a:rPr lang="de-CH" dirty="0"/>
+              <a:t>Explicit</a:t>
+            </a:r>
+          </a:p>
+          <a:p>
+            <a:r>
+              <a:rPr lang="de-CH" dirty="0"/>
+              <a:t>Explicit (</a:t>
+            </a:r>
+            <a:r>
+              <a:rPr lang="de-CH" dirty="0" err="1"/>
+              <a:t>generic</a:t>
+            </a:r>
+            <a:r>
+              <a:rPr lang="de-CH" dirty="0"/>
+              <a:t>)</a:t>
+            </a:r>
+          </a:p>
+          <a:p>
+            <a:r>
+              <a:rPr lang="de-CH" dirty="0" err="1"/>
+              <a:t>Protractor</a:t>
+            </a:r>
+            <a:endParaRPr lang="de-CH" dirty="0"/>
+          </a:p>
+          <a:p>
+            <a:r>
+              <a:rPr lang="de-CH" dirty="0"/>
+              <a:t>Wrapper</a:t>
+            </a:r>
+          </a:p>
+          <a:p>
+            <a:r>
+              <a:rPr lang="de-CH" dirty="0">
+                <a:solidFill>
+                  <a:srgbClr val="FF9900"/>
+                </a:solidFill>
+              </a:rPr>
+              <a:t>Cypress</a:t>
+            </a:r>
+          </a:p>
+          <a:p>
+            <a:endParaRPr lang="de-CH" dirty="0">
+              <a:solidFill>
+                <a:srgbClr val="FF9900"/>
+              </a:solidFill>
+            </a:endParaRPr>
+          </a:p>
+        </p:txBody>
+      </p:sp>
+      <p:sp>
+        <p:nvSpPr>
+          <p:cNvPr id="4" name="Text Placeholder 3">
+            <a:extLst>
+              <a:ext uri="{FF2B5EF4-FFF2-40B4-BE49-F238E27FC236}">
+                <a16:creationId xmlns:a16="http://schemas.microsoft.com/office/drawing/2014/main" id="{9616688F-1A98-4788-A5CF-08750CEE5958}"/>
+              </a:ext>
+            </a:extLst>
+          </p:cNvPr>
+          <p:cNvSpPr>
+            <a:spLocks noGrp="1"/>
+          </p:cNvSpPr>
+          <p:nvPr>
+            <p:ph type="body" sz="quarter" idx="13"/>
           </p:nvPr>
         </p:nvSpPr>
         <p:spPr/>
@@ -16862,6 +17305,70 @@
           </a:p>
         </p:txBody>
       </p:sp>
+      <p:sp>
+        <p:nvSpPr>
+          <p:cNvPr id="3" name="Title 2">
+            <a:extLst>
+              <a:ext uri="{FF2B5EF4-FFF2-40B4-BE49-F238E27FC236}">
+                <a16:creationId xmlns:a16="http://schemas.microsoft.com/office/drawing/2014/main" id="{9D0DB654-B1DB-4AAA-AFB6-A833A3E262B1}"/>
+              </a:ext>
+            </a:extLst>
+          </p:cNvPr>
+          <p:cNvSpPr>
+            <a:spLocks noGrp="1"/>
+          </p:cNvSpPr>
+          <p:nvPr>
+            <p:ph type="title"/>
+          </p:nvPr>
+        </p:nvSpPr>
+        <p:spPr/>
+        <p:txBody>
+          <a:bodyPr/>
+          <a:lstStyle/>
+          <a:p>
+            <a:r>
+              <a:rPr lang="en-GB" dirty="0"/>
+              <a:t>Wait Strategies</a:t>
+            </a:r>
+          </a:p>
+        </p:txBody>
+      </p:sp>
+      <p:pic>
+        <p:nvPicPr>
+          <p:cNvPr id="5" name="Picture 4" descr="A picture containing clipart&#10;&#10;Description automatically generated">
+            <a:extLst>
+              <a:ext uri="{FF2B5EF4-FFF2-40B4-BE49-F238E27FC236}">
+                <a16:creationId xmlns:a16="http://schemas.microsoft.com/office/drawing/2014/main" id="{97BF6C1C-B5CC-4803-927F-CB71229D0766}"/>
+              </a:ext>
+            </a:extLst>
+          </p:cNvPr>
+          <p:cNvPicPr>
+            <a:picLocks noChangeAspect="1"/>
+          </p:cNvPicPr>
+          <p:nvPr/>
+        </p:nvPicPr>
+        <p:blipFill>
+          <a:blip r:embed="rId6">
+            <a:extLst>
+              <a:ext uri="{28A0092B-C50C-407E-A947-70E740481C1C}">
+                <a14:useLocalDpi xmlns:a14="http://schemas.microsoft.com/office/drawing/2010/main" val="0"/>
+              </a:ext>
+            </a:extLst>
+          </a:blip>
+          <a:stretch>
+            <a:fillRect/>
+          </a:stretch>
+        </p:blipFill>
+        <p:spPr>
+          <a:xfrm>
+            <a:off x="6672064" y="4005064"/>
+            <a:ext cx="4514850" cy="1152525"/>
+          </a:xfrm>
+          <a:prstGeom prst="rect">
+            <a:avLst/>
+          </a:prstGeom>
+        </p:spPr>
+      </p:pic>
     </p:spTree>
     <p:custDataLst>
       <p:custData r:id="rId1"/>
@@ -16870,7 +17377,7 @@
     </p:custDataLst>
     <p:extLst>
       <p:ext uri="{BB962C8B-B14F-4D97-AF65-F5344CB8AC3E}">
-        <p14:creationId xmlns:p14="http://schemas.microsoft.com/office/powerpoint/2010/main" val="3504839957"/>
+        <p14:creationId xmlns:p14="http://schemas.microsoft.com/office/powerpoint/2010/main" val="4019525312"/>
       </p:ext>
     </p:extLst>
   </p:cSld>
@@ -16899,18 +17406,36 @@
       </p:grpSpPr>
       <p:sp>
         <p:nvSpPr>
-          <p:cNvPr id="6" name="Text Placeholder 5">
-            <a:extLst>
-              <a:ext uri="{FF2B5EF4-FFF2-40B4-BE49-F238E27FC236}">
-                <a16:creationId xmlns:a16="http://schemas.microsoft.com/office/drawing/2014/main" id="{CECD4634-81A3-43C1-B494-274F84E1098E}"/>
-              </a:ext>
-            </a:extLst>
-          </p:cNvPr>
-          <p:cNvSpPr>
-            <a:spLocks noGrp="1"/>
-          </p:cNvSpPr>
-          <p:nvPr>
-            <p:ph type="body" sz="quarter" idx="13"/>
+          <p:cNvPr id="2" name="Picture Placeholder 1">
+            <a:extLst>
+              <a:ext uri="{FF2B5EF4-FFF2-40B4-BE49-F238E27FC236}">
+                <a16:creationId xmlns:a16="http://schemas.microsoft.com/office/drawing/2014/main" id="{D7208C4F-3A23-48FD-9A7A-9E45471AD907}"/>
+              </a:ext>
+            </a:extLst>
+          </p:cNvPr>
+          <p:cNvSpPr>
+            <a:spLocks noGrp="1"/>
+          </p:cNvSpPr>
+          <p:nvPr>
+            <p:ph type="pic" sz="quarter" idx="10"/>
+          </p:nvPr>
+        </p:nvSpPr>
+        <p:spPr/>
+      </p:sp>
+      <p:sp>
+        <p:nvSpPr>
+          <p:cNvPr id="3" name="Text Placeholder 2">
+            <a:extLst>
+              <a:ext uri="{FF2B5EF4-FFF2-40B4-BE49-F238E27FC236}">
+                <a16:creationId xmlns:a16="http://schemas.microsoft.com/office/drawing/2014/main" id="{F37FA0B7-13E6-499B-A273-E16302D54638}"/>
+              </a:ext>
+            </a:extLst>
+          </p:cNvPr>
+          <p:cNvSpPr>
+            <a:spLocks noGrp="1"/>
+          </p:cNvSpPr>
+          <p:nvPr>
+            <p:ph type="body" sz="quarter" idx="11"/>
           </p:nvPr>
         </p:nvSpPr>
         <p:spPr/>
@@ -16918,62 +17443,10 @@
           <a:bodyPr/>
           <a:lstStyle/>
           <a:p>
-            <a:endParaRPr lang="en-GB"/>
-          </a:p>
-        </p:txBody>
-      </p:sp>
-      <p:sp>
-        <p:nvSpPr>
-          <p:cNvPr id="5" name="Title 4">
-            <a:extLst>
-              <a:ext uri="{FF2B5EF4-FFF2-40B4-BE49-F238E27FC236}">
-                <a16:creationId xmlns:a16="http://schemas.microsoft.com/office/drawing/2014/main" id="{3371C040-155A-463D-A84A-60400FE8299B}"/>
-              </a:ext>
-            </a:extLst>
-          </p:cNvPr>
-          <p:cNvSpPr>
-            <a:spLocks noGrp="1"/>
-          </p:cNvSpPr>
-          <p:nvPr>
-            <p:ph type="title"/>
-          </p:nvPr>
-        </p:nvSpPr>
-        <p:spPr/>
-        <p:txBody>
-          <a:bodyPr/>
-          <a:lstStyle/>
-          <a:p>
-            <a:endParaRPr lang="en-GB"/>
-          </a:p>
-        </p:txBody>
-      </p:sp>
-      <p:sp>
-        <p:nvSpPr>
-          <p:cNvPr id="7" name="Content Placeholder 6">
-            <a:extLst>
-              <a:ext uri="{FF2B5EF4-FFF2-40B4-BE49-F238E27FC236}">
-                <a16:creationId xmlns:a16="http://schemas.microsoft.com/office/drawing/2014/main" id="{F62B43E6-4802-4026-BB94-1F83A1BA6CCA}"/>
-              </a:ext>
-            </a:extLst>
-          </p:cNvPr>
-          <p:cNvSpPr>
-            <a:spLocks noGrp="1"/>
-          </p:cNvSpPr>
-          <p:nvPr>
-            <p:ph sz="quarter" idx="4294967295"/>
-          </p:nvPr>
-        </p:nvSpPr>
-        <p:spPr>
-          <a:xfrm>
-            <a:off x="406398" y="1789354"/>
-            <a:ext cx="11379200" cy="4662246"/>
-          </a:xfrm>
-        </p:spPr>
-        <p:txBody>
-          <a:bodyPr/>
-          <a:lstStyle/>
-          <a:p>
-            <a:endParaRPr lang="en-GB"/>
+            <a:r>
+              <a:rPr lang="en-GB" dirty="0"/>
+              <a:t>Questions</a:t>
+            </a:r>
           </a:p>
         </p:txBody>
       </p:sp>
@@ -16985,7 +17458,7 @@
     </p:custDataLst>
     <p:extLst>
       <p:ext uri="{BB962C8B-B14F-4D97-AF65-F5344CB8AC3E}">
-        <p14:creationId xmlns:p14="http://schemas.microsoft.com/office/powerpoint/2010/main" val="1176460395"/>
+        <p14:creationId xmlns:p14="http://schemas.microsoft.com/office/powerpoint/2010/main" val="809412007"/>
       </p:ext>
     </p:extLst>
   </p:cSld>
@@ -17014,18 +17487,18 @@
       </p:grpSpPr>
       <p:sp>
         <p:nvSpPr>
-          <p:cNvPr id="4" name="Text Placeholder 3">
-            <a:extLst>
-              <a:ext uri="{FF2B5EF4-FFF2-40B4-BE49-F238E27FC236}">
-                <a16:creationId xmlns:a16="http://schemas.microsoft.com/office/drawing/2014/main" id="{9616688F-1A98-4788-A5CF-08750CEE5958}"/>
-              </a:ext>
-            </a:extLst>
-          </p:cNvPr>
-          <p:cNvSpPr>
-            <a:spLocks noGrp="1"/>
-          </p:cNvSpPr>
-          <p:nvPr>
-            <p:ph type="body" sz="quarter" idx="13"/>
+          <p:cNvPr id="2" name="Title 1">
+            <a:extLst>
+              <a:ext uri="{FF2B5EF4-FFF2-40B4-BE49-F238E27FC236}">
+                <a16:creationId xmlns:a16="http://schemas.microsoft.com/office/drawing/2014/main" id="{09191897-2ADC-4361-B86A-F1B7D31F1D14}"/>
+              </a:ext>
+            </a:extLst>
+          </p:cNvPr>
+          <p:cNvSpPr>
+            <a:spLocks noGrp="1"/>
+          </p:cNvSpPr>
+          <p:nvPr>
+            <p:ph type="ctrTitle"/>
           </p:nvPr>
         </p:nvSpPr>
         <p:spPr/>
@@ -17033,49 +17506,42 @@
           <a:bodyPr/>
           <a:lstStyle/>
           <a:p>
-            <a:endParaRPr lang="en-GB"/>
-          </a:p>
-        </p:txBody>
-      </p:sp>
-      <p:sp>
-        <p:nvSpPr>
-          <p:cNvPr id="3" name="Title 2">
-            <a:extLst>
-              <a:ext uri="{FF2B5EF4-FFF2-40B4-BE49-F238E27FC236}">
-                <a16:creationId xmlns:a16="http://schemas.microsoft.com/office/drawing/2014/main" id="{9D0DB654-B1DB-4AAA-AFB6-A833A3E262B1}"/>
-              </a:ext>
-            </a:extLst>
-          </p:cNvPr>
-          <p:cNvSpPr>
-            <a:spLocks noGrp="1"/>
-          </p:cNvSpPr>
-          <p:nvPr>
-            <p:ph type="title"/>
+            <a:endParaRPr lang="en-GB" dirty="0"/>
+          </a:p>
+        </p:txBody>
+      </p:sp>
+      <p:sp>
+        <p:nvSpPr>
+          <p:cNvPr id="6" name="Picture Placeholder 5">
+            <a:extLst>
+              <a:ext uri="{FF2B5EF4-FFF2-40B4-BE49-F238E27FC236}">
+                <a16:creationId xmlns:a16="http://schemas.microsoft.com/office/drawing/2014/main" id="{4F02D7F5-3D8D-481F-98A4-B3CAFF5B33E4}"/>
+              </a:ext>
+            </a:extLst>
+          </p:cNvPr>
+          <p:cNvSpPr>
+            <a:spLocks noGrp="1"/>
+          </p:cNvSpPr>
+          <p:nvPr>
+            <p:ph type="pic" sz="quarter" idx="13"/>
           </p:nvPr>
         </p:nvSpPr>
         <p:spPr/>
-        <p:txBody>
-          <a:bodyPr/>
-          <a:lstStyle/>
-          <a:p>
-            <a:endParaRPr lang="en-GB"/>
-          </a:p>
-        </p:txBody>
-      </p:sp>
-      <p:sp>
-        <p:nvSpPr>
-          <p:cNvPr id="11" name="Content Placeholder 10">
-            <a:extLst>
-              <a:ext uri="{FF2B5EF4-FFF2-40B4-BE49-F238E27FC236}">
-                <a16:creationId xmlns:a16="http://schemas.microsoft.com/office/drawing/2014/main" id="{330FEC59-F11B-4FEA-A916-47C4FA308072}"/>
-              </a:ext>
-            </a:extLst>
-          </p:cNvPr>
-          <p:cNvSpPr>
-            <a:spLocks noGrp="1"/>
-          </p:cNvSpPr>
-          <p:nvPr>
-            <p:ph sz="quarter" idx="14"/>
+      </p:sp>
+      <p:sp>
+        <p:nvSpPr>
+          <p:cNvPr id="7" name="Text Placeholder 6">
+            <a:extLst>
+              <a:ext uri="{FF2B5EF4-FFF2-40B4-BE49-F238E27FC236}">
+                <a16:creationId xmlns:a16="http://schemas.microsoft.com/office/drawing/2014/main" id="{0488A6D8-5AE8-4200-B6E1-39B6A785115B}"/>
+              </a:ext>
+            </a:extLst>
+          </p:cNvPr>
+          <p:cNvSpPr>
+            <a:spLocks noGrp="1"/>
+          </p:cNvSpPr>
+          <p:nvPr>
+            <p:ph type="body" sz="quarter" idx="14"/>
           </p:nvPr>
         </p:nvSpPr>
         <p:spPr/>
@@ -17095,7 +17561,7 @@
     </p:custDataLst>
     <p:extLst>
       <p:ext uri="{BB962C8B-B14F-4D97-AF65-F5344CB8AC3E}">
-        <p14:creationId xmlns:p14="http://schemas.microsoft.com/office/powerpoint/2010/main" val="737865228"/>
+        <p14:creationId xmlns:p14="http://schemas.microsoft.com/office/powerpoint/2010/main" val="3504839957"/>
       </p:ext>
     </p:extLst>
   </p:cSld>
@@ -17124,18 +17590,18 @@
       </p:grpSpPr>
       <p:sp>
         <p:nvSpPr>
-          <p:cNvPr id="14" name="Title 13">
-            <a:extLst>
-              <a:ext uri="{FF2B5EF4-FFF2-40B4-BE49-F238E27FC236}">
-                <a16:creationId xmlns:a16="http://schemas.microsoft.com/office/drawing/2014/main" id="{58D7DDAD-DBEC-4550-A3D5-0C6E06AEAD6F}"/>
-              </a:ext>
-            </a:extLst>
-          </p:cNvPr>
-          <p:cNvSpPr>
-            <a:spLocks noGrp="1"/>
-          </p:cNvSpPr>
-          <p:nvPr>
-            <p:ph type="title"/>
+          <p:cNvPr id="6" name="Text Placeholder 5">
+            <a:extLst>
+              <a:ext uri="{FF2B5EF4-FFF2-40B4-BE49-F238E27FC236}">
+                <a16:creationId xmlns:a16="http://schemas.microsoft.com/office/drawing/2014/main" id="{CECD4634-81A3-43C1-B494-274F84E1098E}"/>
+              </a:ext>
+            </a:extLst>
+          </p:cNvPr>
+          <p:cNvSpPr>
+            <a:spLocks noGrp="1"/>
+          </p:cNvSpPr>
+          <p:nvPr>
+            <p:ph type="body" sz="quarter" idx="13"/>
           </p:nvPr>
         </p:nvSpPr>
         <p:spPr/>
@@ -17149,18 +17615,18 @@
       </p:sp>
       <p:sp>
         <p:nvSpPr>
-          <p:cNvPr id="15" name="Text Placeholder 14">
-            <a:extLst>
-              <a:ext uri="{FF2B5EF4-FFF2-40B4-BE49-F238E27FC236}">
-                <a16:creationId xmlns:a16="http://schemas.microsoft.com/office/drawing/2014/main" id="{369AF285-2FD0-414D-8D1E-D25F23A3B9FC}"/>
-              </a:ext>
-            </a:extLst>
-          </p:cNvPr>
-          <p:cNvSpPr>
-            <a:spLocks noGrp="1"/>
-          </p:cNvSpPr>
-          <p:nvPr>
-            <p:ph type="body" sz="quarter" idx="13"/>
+          <p:cNvPr id="5" name="Title 4">
+            <a:extLst>
+              <a:ext uri="{FF2B5EF4-FFF2-40B4-BE49-F238E27FC236}">
+                <a16:creationId xmlns:a16="http://schemas.microsoft.com/office/drawing/2014/main" id="{3371C040-155A-463D-A84A-60400FE8299B}"/>
+              </a:ext>
+            </a:extLst>
+          </p:cNvPr>
+          <p:cNvSpPr>
+            <a:spLocks noGrp="1"/>
+          </p:cNvSpPr>
+          <p:nvPr>
+            <p:ph type="title"/>
           </p:nvPr>
         </p:nvSpPr>
         <p:spPr/>
@@ -17174,10 +17640,10 @@
       </p:sp>
       <p:sp>
         <p:nvSpPr>
-          <p:cNvPr id="16" name="Content Placeholder 15">
-            <a:extLst>
-              <a:ext uri="{FF2B5EF4-FFF2-40B4-BE49-F238E27FC236}">
-                <a16:creationId xmlns:a16="http://schemas.microsoft.com/office/drawing/2014/main" id="{42E53299-47FC-4351-AE96-11F7DA437B37}"/>
+          <p:cNvPr id="7" name="Content Placeholder 6">
+            <a:extLst>
+              <a:ext uri="{FF2B5EF4-FFF2-40B4-BE49-F238E27FC236}">
+                <a16:creationId xmlns:a16="http://schemas.microsoft.com/office/drawing/2014/main" id="{F62B43E6-4802-4026-BB94-1F83A1BA6CCA}"/>
               </a:ext>
             </a:extLst>
           </p:cNvPr>
@@ -17190,38 +17656,8 @@
         </p:nvSpPr>
         <p:spPr>
           <a:xfrm>
-            <a:off x="406399" y="1789355"/>
-            <a:ext cx="5639271" cy="4662246"/>
-          </a:xfrm>
-        </p:spPr>
-        <p:txBody>
-          <a:bodyPr/>
-          <a:lstStyle/>
-          <a:p>
-            <a:endParaRPr lang="en-GB"/>
-          </a:p>
-        </p:txBody>
-      </p:sp>
-      <p:sp>
-        <p:nvSpPr>
-          <p:cNvPr id="17" name="Content Placeholder 16">
-            <a:extLst>
-              <a:ext uri="{FF2B5EF4-FFF2-40B4-BE49-F238E27FC236}">
-                <a16:creationId xmlns:a16="http://schemas.microsoft.com/office/drawing/2014/main" id="{30B3B35B-9EA3-4F33-B702-9AACE215FFDB}"/>
-              </a:ext>
-            </a:extLst>
-          </p:cNvPr>
-          <p:cNvSpPr>
-            <a:spLocks noGrp="1"/>
-          </p:cNvSpPr>
-          <p:nvPr>
-            <p:ph sz="quarter" idx="4294967295"/>
-          </p:nvPr>
-        </p:nvSpPr>
-        <p:spPr>
-          <a:xfrm>
-            <a:off x="6146328" y="1789355"/>
-            <a:ext cx="5639271" cy="4662246"/>
+            <a:off x="406398" y="1789354"/>
+            <a:ext cx="11379200" cy="4662246"/>
           </a:xfrm>
         </p:spPr>
         <p:txBody>
@@ -17240,7 +17676,7 @@
     </p:custDataLst>
     <p:extLst>
       <p:ext uri="{BB962C8B-B14F-4D97-AF65-F5344CB8AC3E}">
-        <p14:creationId xmlns:p14="http://schemas.microsoft.com/office/powerpoint/2010/main" val="2816244674"/>
+        <p14:creationId xmlns:p14="http://schemas.microsoft.com/office/powerpoint/2010/main" val="1176460395"/>
       </p:ext>
     </p:extLst>
   </p:cSld>
@@ -17269,10 +17705,35 @@
       </p:grpSpPr>
       <p:sp>
         <p:nvSpPr>
-          <p:cNvPr id="2" name="Title 1">
-            <a:extLst>
-              <a:ext uri="{FF2B5EF4-FFF2-40B4-BE49-F238E27FC236}">
-                <a16:creationId xmlns:a16="http://schemas.microsoft.com/office/drawing/2014/main" id="{08AA6F52-0D57-4A43-A1E0-82820381BF76}"/>
+          <p:cNvPr id="4" name="Text Placeholder 3">
+            <a:extLst>
+              <a:ext uri="{FF2B5EF4-FFF2-40B4-BE49-F238E27FC236}">
+                <a16:creationId xmlns:a16="http://schemas.microsoft.com/office/drawing/2014/main" id="{9616688F-1A98-4788-A5CF-08750CEE5958}"/>
+              </a:ext>
+            </a:extLst>
+          </p:cNvPr>
+          <p:cNvSpPr>
+            <a:spLocks noGrp="1"/>
+          </p:cNvSpPr>
+          <p:nvPr>
+            <p:ph type="body" sz="quarter" idx="13"/>
+          </p:nvPr>
+        </p:nvSpPr>
+        <p:spPr/>
+        <p:txBody>
+          <a:bodyPr/>
+          <a:lstStyle/>
+          <a:p>
+            <a:endParaRPr lang="en-GB"/>
+          </a:p>
+        </p:txBody>
+      </p:sp>
+      <p:sp>
+        <p:nvSpPr>
+          <p:cNvPr id="3" name="Title 2">
+            <a:extLst>
+              <a:ext uri="{FF2B5EF4-FFF2-40B4-BE49-F238E27FC236}">
+                <a16:creationId xmlns:a16="http://schemas.microsoft.com/office/drawing/2014/main" id="{9D0DB654-B1DB-4AAA-AFB6-A833A3E262B1}"/>
               </a:ext>
             </a:extLst>
           </p:cNvPr>
@@ -17281,6 +17742,31 @@
           </p:cNvSpPr>
           <p:nvPr>
             <p:ph type="title"/>
+          </p:nvPr>
+        </p:nvSpPr>
+        <p:spPr/>
+        <p:txBody>
+          <a:bodyPr/>
+          <a:lstStyle/>
+          <a:p>
+            <a:endParaRPr lang="en-GB"/>
+          </a:p>
+        </p:txBody>
+      </p:sp>
+      <p:sp>
+        <p:nvSpPr>
+          <p:cNvPr id="11" name="Content Placeholder 10">
+            <a:extLst>
+              <a:ext uri="{FF2B5EF4-FFF2-40B4-BE49-F238E27FC236}">
+                <a16:creationId xmlns:a16="http://schemas.microsoft.com/office/drawing/2014/main" id="{330FEC59-F11B-4FEA-A916-47C4FA308072}"/>
+              </a:ext>
+            </a:extLst>
+          </p:cNvPr>
+          <p:cNvSpPr>
+            <a:spLocks noGrp="1"/>
+          </p:cNvSpPr>
+          <p:nvPr>
+            <p:ph sz="quarter" idx="14"/>
           </p:nvPr>
         </p:nvSpPr>
         <p:spPr/>
@@ -17300,7 +17786,7 @@
     </p:custDataLst>
     <p:extLst>
       <p:ext uri="{BB962C8B-B14F-4D97-AF65-F5344CB8AC3E}">
-        <p14:creationId xmlns:p14="http://schemas.microsoft.com/office/powerpoint/2010/main" val="2209925277"/>
+        <p14:creationId xmlns:p14="http://schemas.microsoft.com/office/powerpoint/2010/main" val="737865228"/>
       </p:ext>
     </p:extLst>
   </p:cSld>
@@ -17329,36 +17815,18 @@
       </p:grpSpPr>
       <p:sp>
         <p:nvSpPr>
-          <p:cNvPr id="2" name="Picture Placeholder 1">
-            <a:extLst>
-              <a:ext uri="{FF2B5EF4-FFF2-40B4-BE49-F238E27FC236}">
-                <a16:creationId xmlns:a16="http://schemas.microsoft.com/office/drawing/2014/main" id="{D7208C4F-3A23-48FD-9A7A-9E45471AD907}"/>
-              </a:ext>
-            </a:extLst>
-          </p:cNvPr>
-          <p:cNvSpPr>
-            <a:spLocks noGrp="1"/>
-          </p:cNvSpPr>
-          <p:nvPr>
-            <p:ph type="pic" sz="quarter" idx="10"/>
-          </p:nvPr>
-        </p:nvSpPr>
-        <p:spPr/>
-      </p:sp>
-      <p:sp>
-        <p:nvSpPr>
-          <p:cNvPr id="3" name="Text Placeholder 2">
-            <a:extLst>
-              <a:ext uri="{FF2B5EF4-FFF2-40B4-BE49-F238E27FC236}">
-                <a16:creationId xmlns:a16="http://schemas.microsoft.com/office/drawing/2014/main" id="{F37FA0B7-13E6-499B-A273-E16302D54638}"/>
-              </a:ext>
-            </a:extLst>
-          </p:cNvPr>
-          <p:cNvSpPr>
-            <a:spLocks noGrp="1"/>
-          </p:cNvSpPr>
-          <p:nvPr>
-            <p:ph type="body" sz="quarter" idx="11"/>
+          <p:cNvPr id="14" name="Title 13">
+            <a:extLst>
+              <a:ext uri="{FF2B5EF4-FFF2-40B4-BE49-F238E27FC236}">
+                <a16:creationId xmlns:a16="http://schemas.microsoft.com/office/drawing/2014/main" id="{58D7DDAD-DBEC-4550-A3D5-0C6E06AEAD6F}"/>
+              </a:ext>
+            </a:extLst>
+          </p:cNvPr>
+          <p:cNvSpPr>
+            <a:spLocks noGrp="1"/>
+          </p:cNvSpPr>
+          <p:nvPr>
+            <p:ph type="title"/>
           </p:nvPr>
         </p:nvSpPr>
         <p:spPr/>
@@ -17366,10 +17834,92 @@
           <a:bodyPr/>
           <a:lstStyle/>
           <a:p>
-            <a:r>
-              <a:rPr lang="en-GB" dirty="0"/>
-              <a:t>How to develop</a:t>
-            </a:r>
+            <a:endParaRPr lang="en-GB"/>
+          </a:p>
+        </p:txBody>
+      </p:sp>
+      <p:sp>
+        <p:nvSpPr>
+          <p:cNvPr id="15" name="Text Placeholder 14">
+            <a:extLst>
+              <a:ext uri="{FF2B5EF4-FFF2-40B4-BE49-F238E27FC236}">
+                <a16:creationId xmlns:a16="http://schemas.microsoft.com/office/drawing/2014/main" id="{369AF285-2FD0-414D-8D1E-D25F23A3B9FC}"/>
+              </a:ext>
+            </a:extLst>
+          </p:cNvPr>
+          <p:cNvSpPr>
+            <a:spLocks noGrp="1"/>
+          </p:cNvSpPr>
+          <p:nvPr>
+            <p:ph type="body" sz="quarter" idx="13"/>
+          </p:nvPr>
+        </p:nvSpPr>
+        <p:spPr/>
+        <p:txBody>
+          <a:bodyPr/>
+          <a:lstStyle/>
+          <a:p>
+            <a:endParaRPr lang="en-GB"/>
+          </a:p>
+        </p:txBody>
+      </p:sp>
+      <p:sp>
+        <p:nvSpPr>
+          <p:cNvPr id="16" name="Content Placeholder 15">
+            <a:extLst>
+              <a:ext uri="{FF2B5EF4-FFF2-40B4-BE49-F238E27FC236}">
+                <a16:creationId xmlns:a16="http://schemas.microsoft.com/office/drawing/2014/main" id="{42E53299-47FC-4351-AE96-11F7DA437B37}"/>
+              </a:ext>
+            </a:extLst>
+          </p:cNvPr>
+          <p:cNvSpPr>
+            <a:spLocks noGrp="1"/>
+          </p:cNvSpPr>
+          <p:nvPr>
+            <p:ph sz="quarter" idx="4294967295"/>
+          </p:nvPr>
+        </p:nvSpPr>
+        <p:spPr>
+          <a:xfrm>
+            <a:off x="406399" y="1789355"/>
+            <a:ext cx="5639271" cy="4662246"/>
+          </a:xfrm>
+        </p:spPr>
+        <p:txBody>
+          <a:bodyPr/>
+          <a:lstStyle/>
+          <a:p>
+            <a:endParaRPr lang="en-GB"/>
+          </a:p>
+        </p:txBody>
+      </p:sp>
+      <p:sp>
+        <p:nvSpPr>
+          <p:cNvPr id="17" name="Content Placeholder 16">
+            <a:extLst>
+              <a:ext uri="{FF2B5EF4-FFF2-40B4-BE49-F238E27FC236}">
+                <a16:creationId xmlns:a16="http://schemas.microsoft.com/office/drawing/2014/main" id="{30B3B35B-9EA3-4F33-B702-9AACE215FFDB}"/>
+              </a:ext>
+            </a:extLst>
+          </p:cNvPr>
+          <p:cNvSpPr>
+            <a:spLocks noGrp="1"/>
+          </p:cNvSpPr>
+          <p:nvPr>
+            <p:ph sz="quarter" idx="4294967295"/>
+          </p:nvPr>
+        </p:nvSpPr>
+        <p:spPr>
+          <a:xfrm>
+            <a:off x="6146328" y="1789355"/>
+            <a:ext cx="5639271" cy="4662246"/>
+          </a:xfrm>
+        </p:spPr>
+        <p:txBody>
+          <a:bodyPr/>
+          <a:lstStyle/>
+          <a:p>
+            <a:endParaRPr lang="en-GB"/>
           </a:p>
         </p:txBody>
       </p:sp>
@@ -17381,7 +17931,7 @@
     </p:custDataLst>
     <p:extLst>
       <p:ext uri="{BB962C8B-B14F-4D97-AF65-F5344CB8AC3E}">
-        <p14:creationId xmlns:p14="http://schemas.microsoft.com/office/powerpoint/2010/main" val="1781317533"/>
+        <p14:creationId xmlns:p14="http://schemas.microsoft.com/office/powerpoint/2010/main" val="2816244674"/>
       </p:ext>
     </p:extLst>
   </p:cSld>
@@ -17491,36 +18041,18 @@
       </p:grpSpPr>
       <p:sp>
         <p:nvSpPr>
-          <p:cNvPr id="2" name="Picture Placeholder 1">
-            <a:extLst>
-              <a:ext uri="{FF2B5EF4-FFF2-40B4-BE49-F238E27FC236}">
-                <a16:creationId xmlns:a16="http://schemas.microsoft.com/office/drawing/2014/main" id="{924C104C-4BFF-4CA2-9522-328A587B8013}"/>
-              </a:ext>
-            </a:extLst>
-          </p:cNvPr>
-          <p:cNvSpPr>
-            <a:spLocks noGrp="1"/>
-          </p:cNvSpPr>
-          <p:nvPr>
-            <p:ph type="pic" sz="quarter" idx="10"/>
-          </p:nvPr>
-        </p:nvSpPr>
-        <p:spPr/>
-      </p:sp>
-      <p:sp>
-        <p:nvSpPr>
-          <p:cNvPr id="3" name="Text Placeholder 2">
-            <a:extLst>
-              <a:ext uri="{FF2B5EF4-FFF2-40B4-BE49-F238E27FC236}">
-                <a16:creationId xmlns:a16="http://schemas.microsoft.com/office/drawing/2014/main" id="{57E9DEE9-FCA4-4F96-955F-CD6E68E28AD9}"/>
-              </a:ext>
-            </a:extLst>
-          </p:cNvPr>
-          <p:cNvSpPr>
-            <a:spLocks noGrp="1"/>
-          </p:cNvSpPr>
-          <p:nvPr>
-            <p:ph type="body" sz="quarter" idx="11"/>
+          <p:cNvPr id="2" name="Title 1">
+            <a:extLst>
+              <a:ext uri="{FF2B5EF4-FFF2-40B4-BE49-F238E27FC236}">
+                <a16:creationId xmlns:a16="http://schemas.microsoft.com/office/drawing/2014/main" id="{08AA6F52-0D57-4A43-A1E0-82820381BF76}"/>
+              </a:ext>
+            </a:extLst>
+          </p:cNvPr>
+          <p:cNvSpPr>
+            <a:spLocks noGrp="1"/>
+          </p:cNvSpPr>
+          <p:nvPr>
+            <p:ph type="title"/>
           </p:nvPr>
         </p:nvSpPr>
         <p:spPr/>
@@ -17540,7 +18072,7 @@
     </p:custDataLst>
     <p:extLst>
       <p:ext uri="{BB962C8B-B14F-4D97-AF65-F5344CB8AC3E}">
-        <p14:creationId xmlns:p14="http://schemas.microsoft.com/office/powerpoint/2010/main" val="2862577685"/>
+        <p14:creationId xmlns:p14="http://schemas.microsoft.com/office/powerpoint/2010/main" val="2209925277"/>
       </p:ext>
     </p:extLst>
   </p:cSld>
@@ -17572,7 +18104,7 @@
           <p:cNvPr id="2" name="Picture Placeholder 1">
             <a:extLst>
               <a:ext uri="{FF2B5EF4-FFF2-40B4-BE49-F238E27FC236}">
-                <a16:creationId xmlns:a16="http://schemas.microsoft.com/office/drawing/2014/main" id="{027D81C7-F2DA-40DB-941E-A21D3A9B4F3A}"/>
+                <a16:creationId xmlns:a16="http://schemas.microsoft.com/office/drawing/2014/main" id="{D7208C4F-3A23-48FD-9A7A-9E45471AD907}"/>
               </a:ext>
             </a:extLst>
           </p:cNvPr>
@@ -17590,7 +18122,7 @@
           <p:cNvPr id="3" name="Text Placeholder 2">
             <a:extLst>
               <a:ext uri="{FF2B5EF4-FFF2-40B4-BE49-F238E27FC236}">
-                <a16:creationId xmlns:a16="http://schemas.microsoft.com/office/drawing/2014/main" id="{38880224-B75A-4F76-8EFB-4780F8E66B49}"/>
+                <a16:creationId xmlns:a16="http://schemas.microsoft.com/office/drawing/2014/main" id="{F37FA0B7-13E6-499B-A273-E16302D54638}"/>
               </a:ext>
             </a:extLst>
           </p:cNvPr>
@@ -17606,7 +18138,10 @@
           <a:bodyPr/>
           <a:lstStyle/>
           <a:p>
-            <a:endParaRPr lang="en-GB"/>
+            <a:r>
+              <a:rPr lang="en-GB" dirty="0"/>
+              <a:t>How to develop</a:t>
+            </a:r>
           </a:p>
         </p:txBody>
       </p:sp>
@@ -17618,7 +18153,7 @@
     </p:custDataLst>
     <p:extLst>
       <p:ext uri="{BB962C8B-B14F-4D97-AF65-F5344CB8AC3E}">
-        <p14:creationId xmlns:p14="http://schemas.microsoft.com/office/powerpoint/2010/main" val="1020968431"/>
+        <p14:creationId xmlns:p14="http://schemas.microsoft.com/office/powerpoint/2010/main" val="1781317533"/>
       </p:ext>
     </p:extLst>
   </p:cSld>
@@ -17650,7 +18185,7 @@
           <p:cNvPr id="2" name="Picture Placeholder 1">
             <a:extLst>
               <a:ext uri="{FF2B5EF4-FFF2-40B4-BE49-F238E27FC236}">
-                <a16:creationId xmlns:a16="http://schemas.microsoft.com/office/drawing/2014/main" id="{BD4DA17C-BC02-415D-BB26-D3D9AFB27EE3}"/>
+                <a16:creationId xmlns:a16="http://schemas.microsoft.com/office/drawing/2014/main" id="{924C104C-4BFF-4CA2-9522-328A587B8013}"/>
               </a:ext>
             </a:extLst>
           </p:cNvPr>
@@ -17662,6 +18197,31 @@
           </p:nvPr>
         </p:nvSpPr>
         <p:spPr/>
+      </p:sp>
+      <p:sp>
+        <p:nvSpPr>
+          <p:cNvPr id="3" name="Text Placeholder 2">
+            <a:extLst>
+              <a:ext uri="{FF2B5EF4-FFF2-40B4-BE49-F238E27FC236}">
+                <a16:creationId xmlns:a16="http://schemas.microsoft.com/office/drawing/2014/main" id="{57E9DEE9-FCA4-4F96-955F-CD6E68E28AD9}"/>
+              </a:ext>
+            </a:extLst>
+          </p:cNvPr>
+          <p:cNvSpPr>
+            <a:spLocks noGrp="1"/>
+          </p:cNvSpPr>
+          <p:nvPr>
+            <p:ph type="body" sz="quarter" idx="11"/>
+          </p:nvPr>
+        </p:nvSpPr>
+        <p:spPr/>
+        <p:txBody>
+          <a:bodyPr/>
+          <a:lstStyle/>
+          <a:p>
+            <a:endParaRPr lang="en-GB"/>
+          </a:p>
+        </p:txBody>
       </p:sp>
     </p:spTree>
     <p:custDataLst>
@@ -17671,7 +18231,7 @@
     </p:custDataLst>
     <p:extLst>
       <p:ext uri="{BB962C8B-B14F-4D97-AF65-F5344CB8AC3E}">
-        <p14:creationId xmlns:p14="http://schemas.microsoft.com/office/powerpoint/2010/main" val="4127191664"/>
+        <p14:creationId xmlns:p14="http://schemas.microsoft.com/office/powerpoint/2010/main" val="2862577685"/>
       </p:ext>
     </p:extLst>
   </p:cSld>
@@ -17700,10 +18260,28 @@
       </p:grpSpPr>
       <p:sp>
         <p:nvSpPr>
-          <p:cNvPr id="2" name="Text Placeholder 1">
-            <a:extLst>
-              <a:ext uri="{FF2B5EF4-FFF2-40B4-BE49-F238E27FC236}">
-                <a16:creationId xmlns:a16="http://schemas.microsoft.com/office/drawing/2014/main" id="{68CFC521-D467-414C-9CAF-407D1278726F}"/>
+          <p:cNvPr id="2" name="Picture Placeholder 1">
+            <a:extLst>
+              <a:ext uri="{FF2B5EF4-FFF2-40B4-BE49-F238E27FC236}">
+                <a16:creationId xmlns:a16="http://schemas.microsoft.com/office/drawing/2014/main" id="{027D81C7-F2DA-40DB-941E-A21D3A9B4F3A}"/>
+              </a:ext>
+            </a:extLst>
+          </p:cNvPr>
+          <p:cNvSpPr>
+            <a:spLocks noGrp="1"/>
+          </p:cNvSpPr>
+          <p:nvPr>
+            <p:ph type="pic" sz="quarter" idx="10"/>
+          </p:nvPr>
+        </p:nvSpPr>
+        <p:spPr/>
+      </p:sp>
+      <p:sp>
+        <p:nvSpPr>
+          <p:cNvPr id="3" name="Text Placeholder 2">
+            <a:extLst>
+              <a:ext uri="{FF2B5EF4-FFF2-40B4-BE49-F238E27FC236}">
+                <a16:creationId xmlns:a16="http://schemas.microsoft.com/office/drawing/2014/main" id="{38880224-B75A-4F76-8EFB-4780F8E66B49}"/>
               </a:ext>
             </a:extLst>
           </p:cNvPr>
@@ -17731,7 +18309,7 @@
     </p:custDataLst>
     <p:extLst>
       <p:ext uri="{BB962C8B-B14F-4D97-AF65-F5344CB8AC3E}">
-        <p14:creationId xmlns:p14="http://schemas.microsoft.com/office/powerpoint/2010/main" val="3306905873"/>
+        <p14:creationId xmlns:p14="http://schemas.microsoft.com/office/powerpoint/2010/main" val="1020968431"/>
       </p:ext>
     </p:extLst>
   </p:cSld>
@@ -17760,121 +18338,21 @@
       </p:grpSpPr>
       <p:sp>
         <p:nvSpPr>
-          <p:cNvPr id="2" name="Title 1">
-            <a:extLst>
-              <a:ext uri="{FF2B5EF4-FFF2-40B4-BE49-F238E27FC236}">
-                <a16:creationId xmlns:a16="http://schemas.microsoft.com/office/drawing/2014/main" id="{5020173E-4D91-4C5A-9579-9E05DDBB8719}"/>
-              </a:ext>
-            </a:extLst>
-          </p:cNvPr>
-          <p:cNvSpPr>
-            <a:spLocks noGrp="1"/>
-          </p:cNvSpPr>
-          <p:nvPr>
-            <p:ph type="title"/>
+          <p:cNvPr id="2" name="Picture Placeholder 1">
+            <a:extLst>
+              <a:ext uri="{FF2B5EF4-FFF2-40B4-BE49-F238E27FC236}">
+                <a16:creationId xmlns:a16="http://schemas.microsoft.com/office/drawing/2014/main" id="{BD4DA17C-BC02-415D-BB26-D3D9AFB27EE3}"/>
+              </a:ext>
+            </a:extLst>
+          </p:cNvPr>
+          <p:cNvSpPr>
+            <a:spLocks noGrp="1"/>
+          </p:cNvSpPr>
+          <p:nvPr>
+            <p:ph type="pic" sz="quarter" idx="10"/>
           </p:nvPr>
         </p:nvSpPr>
         <p:spPr/>
-        <p:txBody>
-          <a:bodyPr/>
-          <a:lstStyle/>
-          <a:p>
-            <a:endParaRPr lang="en-GB"/>
-          </a:p>
-        </p:txBody>
-      </p:sp>
-      <p:sp>
-        <p:nvSpPr>
-          <p:cNvPr id="3" name="Text Placeholder 2">
-            <a:extLst>
-              <a:ext uri="{FF2B5EF4-FFF2-40B4-BE49-F238E27FC236}">
-                <a16:creationId xmlns:a16="http://schemas.microsoft.com/office/drawing/2014/main" id="{8AD80239-1094-4F0D-AA15-4BF58CDA258B}"/>
-              </a:ext>
-            </a:extLst>
-          </p:cNvPr>
-          <p:cNvSpPr>
-            <a:spLocks noGrp="1"/>
-          </p:cNvSpPr>
-          <p:nvPr>
-            <p:ph type="body" sz="quarter" idx="13"/>
-          </p:nvPr>
-        </p:nvSpPr>
-        <p:spPr/>
-        <p:txBody>
-          <a:bodyPr/>
-          <a:lstStyle/>
-          <a:p>
-            <a:endParaRPr lang="en-GB"/>
-          </a:p>
-        </p:txBody>
-      </p:sp>
-      <p:sp>
-        <p:nvSpPr>
-          <p:cNvPr id="4" name="Picture Placeholder 3">
-            <a:extLst>
-              <a:ext uri="{FF2B5EF4-FFF2-40B4-BE49-F238E27FC236}">
-                <a16:creationId xmlns:a16="http://schemas.microsoft.com/office/drawing/2014/main" id="{5822E64C-A81A-4F94-BDD4-DEE0E7B51C6E}"/>
-              </a:ext>
-            </a:extLst>
-          </p:cNvPr>
-          <p:cNvSpPr>
-            <a:spLocks noGrp="1"/>
-          </p:cNvSpPr>
-          <p:nvPr>
-            <p:ph type="pic" sz="quarter" idx="14"/>
-          </p:nvPr>
-        </p:nvSpPr>
-        <p:spPr/>
-      </p:sp>
-      <p:sp>
-        <p:nvSpPr>
-          <p:cNvPr id="5" name="Text Placeholder 4">
-            <a:extLst>
-              <a:ext uri="{FF2B5EF4-FFF2-40B4-BE49-F238E27FC236}">
-                <a16:creationId xmlns:a16="http://schemas.microsoft.com/office/drawing/2014/main" id="{91B736E8-5A9D-4D8B-B041-07C5B9F8B39A}"/>
-              </a:ext>
-            </a:extLst>
-          </p:cNvPr>
-          <p:cNvSpPr>
-            <a:spLocks noGrp="1"/>
-          </p:cNvSpPr>
-          <p:nvPr>
-            <p:ph type="body" sz="quarter" idx="19"/>
-          </p:nvPr>
-        </p:nvSpPr>
-        <p:spPr/>
-        <p:txBody>
-          <a:bodyPr/>
-          <a:lstStyle/>
-          <a:p>
-            <a:endParaRPr lang="en-GB"/>
-          </a:p>
-        </p:txBody>
-      </p:sp>
-      <p:sp>
-        <p:nvSpPr>
-          <p:cNvPr id="6" name="Text Placeholder 5">
-            <a:extLst>
-              <a:ext uri="{FF2B5EF4-FFF2-40B4-BE49-F238E27FC236}">
-                <a16:creationId xmlns:a16="http://schemas.microsoft.com/office/drawing/2014/main" id="{7915ACE0-2649-4381-A4CB-1D21C0AC9E49}"/>
-              </a:ext>
-            </a:extLst>
-          </p:cNvPr>
-          <p:cNvSpPr>
-            <a:spLocks noGrp="1"/>
-          </p:cNvSpPr>
-          <p:nvPr>
-            <p:ph type="body" sz="quarter" idx="20"/>
-          </p:nvPr>
-        </p:nvSpPr>
-        <p:spPr/>
-        <p:txBody>
-          <a:bodyPr/>
-          <a:lstStyle/>
-          <a:p>
-            <a:endParaRPr lang="en-GB"/>
-          </a:p>
-        </p:txBody>
       </p:sp>
     </p:spTree>
     <p:custDataLst>
@@ -17884,7 +18362,7 @@
     </p:custDataLst>
     <p:extLst>
       <p:ext uri="{BB962C8B-B14F-4D97-AF65-F5344CB8AC3E}">
-        <p14:creationId xmlns:p14="http://schemas.microsoft.com/office/powerpoint/2010/main" val="4010287416"/>
+        <p14:creationId xmlns:p14="http://schemas.microsoft.com/office/powerpoint/2010/main" val="4127191664"/>
       </p:ext>
     </p:extLst>
   </p:cSld>
@@ -17913,6 +18391,219 @@
       </p:grpSpPr>
       <p:sp>
         <p:nvSpPr>
+          <p:cNvPr id="2" name="Text Placeholder 1">
+            <a:extLst>
+              <a:ext uri="{FF2B5EF4-FFF2-40B4-BE49-F238E27FC236}">
+                <a16:creationId xmlns:a16="http://schemas.microsoft.com/office/drawing/2014/main" id="{68CFC521-D467-414C-9CAF-407D1278726F}"/>
+              </a:ext>
+            </a:extLst>
+          </p:cNvPr>
+          <p:cNvSpPr>
+            <a:spLocks noGrp="1"/>
+          </p:cNvSpPr>
+          <p:nvPr>
+            <p:ph type="body" sz="quarter" idx="11"/>
+          </p:nvPr>
+        </p:nvSpPr>
+        <p:spPr/>
+        <p:txBody>
+          <a:bodyPr/>
+          <a:lstStyle/>
+          <a:p>
+            <a:endParaRPr lang="en-GB"/>
+          </a:p>
+        </p:txBody>
+      </p:sp>
+    </p:spTree>
+    <p:custDataLst>
+      <p:custData r:id="rId1"/>
+      <p:custData r:id="rId2"/>
+      <p:tags r:id="rId3"/>
+    </p:custDataLst>
+    <p:extLst>
+      <p:ext uri="{BB962C8B-B14F-4D97-AF65-F5344CB8AC3E}">
+        <p14:creationId xmlns:p14="http://schemas.microsoft.com/office/powerpoint/2010/main" val="3306905873"/>
+      </p:ext>
+    </p:extLst>
+  </p:cSld>
+  <p:clrMapOvr>
+    <a:masterClrMapping/>
+  </p:clrMapOvr>
+</p:sld>
+</file>
+
+<file path=ppt/slides/slide26.xml><?xml version="1.0" encoding="utf-8"?>
+<p:sld xmlns:a="http://schemas.openxmlformats.org/drawingml/2006/main" xmlns:r="http://schemas.openxmlformats.org/officeDocument/2006/relationships" xmlns:p="http://schemas.openxmlformats.org/presentationml/2006/main">
+  <p:cSld>
+    <p:spTree>
+      <p:nvGrpSpPr>
+        <p:cNvPr id="1" name=""/>
+        <p:cNvGrpSpPr/>
+        <p:nvPr/>
+      </p:nvGrpSpPr>
+      <p:grpSpPr>
+        <a:xfrm>
+          <a:off x="0" y="0"/>
+          <a:ext cx="0" cy="0"/>
+          <a:chOff x="0" y="0"/>
+          <a:chExt cx="0" cy="0"/>
+        </a:xfrm>
+      </p:grpSpPr>
+      <p:sp>
+        <p:nvSpPr>
+          <p:cNvPr id="2" name="Title 1">
+            <a:extLst>
+              <a:ext uri="{FF2B5EF4-FFF2-40B4-BE49-F238E27FC236}">
+                <a16:creationId xmlns:a16="http://schemas.microsoft.com/office/drawing/2014/main" id="{5020173E-4D91-4C5A-9579-9E05DDBB8719}"/>
+              </a:ext>
+            </a:extLst>
+          </p:cNvPr>
+          <p:cNvSpPr>
+            <a:spLocks noGrp="1"/>
+          </p:cNvSpPr>
+          <p:nvPr>
+            <p:ph type="title"/>
+          </p:nvPr>
+        </p:nvSpPr>
+        <p:spPr/>
+        <p:txBody>
+          <a:bodyPr/>
+          <a:lstStyle/>
+          <a:p>
+            <a:endParaRPr lang="en-GB"/>
+          </a:p>
+        </p:txBody>
+      </p:sp>
+      <p:sp>
+        <p:nvSpPr>
+          <p:cNvPr id="3" name="Text Placeholder 2">
+            <a:extLst>
+              <a:ext uri="{FF2B5EF4-FFF2-40B4-BE49-F238E27FC236}">
+                <a16:creationId xmlns:a16="http://schemas.microsoft.com/office/drawing/2014/main" id="{8AD80239-1094-4F0D-AA15-4BF58CDA258B}"/>
+              </a:ext>
+            </a:extLst>
+          </p:cNvPr>
+          <p:cNvSpPr>
+            <a:spLocks noGrp="1"/>
+          </p:cNvSpPr>
+          <p:nvPr>
+            <p:ph type="body" sz="quarter" idx="13"/>
+          </p:nvPr>
+        </p:nvSpPr>
+        <p:spPr/>
+        <p:txBody>
+          <a:bodyPr/>
+          <a:lstStyle/>
+          <a:p>
+            <a:endParaRPr lang="en-GB"/>
+          </a:p>
+        </p:txBody>
+      </p:sp>
+      <p:sp>
+        <p:nvSpPr>
+          <p:cNvPr id="4" name="Picture Placeholder 3">
+            <a:extLst>
+              <a:ext uri="{FF2B5EF4-FFF2-40B4-BE49-F238E27FC236}">
+                <a16:creationId xmlns:a16="http://schemas.microsoft.com/office/drawing/2014/main" id="{5822E64C-A81A-4F94-BDD4-DEE0E7B51C6E}"/>
+              </a:ext>
+            </a:extLst>
+          </p:cNvPr>
+          <p:cNvSpPr>
+            <a:spLocks noGrp="1"/>
+          </p:cNvSpPr>
+          <p:nvPr>
+            <p:ph type="pic" sz="quarter" idx="14"/>
+          </p:nvPr>
+        </p:nvSpPr>
+        <p:spPr/>
+      </p:sp>
+      <p:sp>
+        <p:nvSpPr>
+          <p:cNvPr id="5" name="Text Placeholder 4">
+            <a:extLst>
+              <a:ext uri="{FF2B5EF4-FFF2-40B4-BE49-F238E27FC236}">
+                <a16:creationId xmlns:a16="http://schemas.microsoft.com/office/drawing/2014/main" id="{91B736E8-5A9D-4D8B-B041-07C5B9F8B39A}"/>
+              </a:ext>
+            </a:extLst>
+          </p:cNvPr>
+          <p:cNvSpPr>
+            <a:spLocks noGrp="1"/>
+          </p:cNvSpPr>
+          <p:nvPr>
+            <p:ph type="body" sz="quarter" idx="19"/>
+          </p:nvPr>
+        </p:nvSpPr>
+        <p:spPr/>
+        <p:txBody>
+          <a:bodyPr/>
+          <a:lstStyle/>
+          <a:p>
+            <a:endParaRPr lang="en-GB"/>
+          </a:p>
+        </p:txBody>
+      </p:sp>
+      <p:sp>
+        <p:nvSpPr>
+          <p:cNvPr id="6" name="Text Placeholder 5">
+            <a:extLst>
+              <a:ext uri="{FF2B5EF4-FFF2-40B4-BE49-F238E27FC236}">
+                <a16:creationId xmlns:a16="http://schemas.microsoft.com/office/drawing/2014/main" id="{7915ACE0-2649-4381-A4CB-1D21C0AC9E49}"/>
+              </a:ext>
+            </a:extLst>
+          </p:cNvPr>
+          <p:cNvSpPr>
+            <a:spLocks noGrp="1"/>
+          </p:cNvSpPr>
+          <p:nvPr>
+            <p:ph type="body" sz="quarter" idx="20"/>
+          </p:nvPr>
+        </p:nvSpPr>
+        <p:spPr/>
+        <p:txBody>
+          <a:bodyPr/>
+          <a:lstStyle/>
+          <a:p>
+            <a:endParaRPr lang="en-GB"/>
+          </a:p>
+        </p:txBody>
+      </p:sp>
+    </p:spTree>
+    <p:custDataLst>
+      <p:custData r:id="rId1"/>
+      <p:custData r:id="rId2"/>
+      <p:tags r:id="rId3"/>
+    </p:custDataLst>
+    <p:extLst>
+      <p:ext uri="{BB962C8B-B14F-4D97-AF65-F5344CB8AC3E}">
+        <p14:creationId xmlns:p14="http://schemas.microsoft.com/office/powerpoint/2010/main" val="4010287416"/>
+      </p:ext>
+    </p:extLst>
+  </p:cSld>
+  <p:clrMapOvr>
+    <a:masterClrMapping/>
+  </p:clrMapOvr>
+</p:sld>
+</file>
+
+<file path=ppt/slides/slide27.xml><?xml version="1.0" encoding="utf-8"?>
+<p:sld xmlns:a="http://schemas.openxmlformats.org/drawingml/2006/main" xmlns:r="http://schemas.openxmlformats.org/officeDocument/2006/relationships" xmlns:p="http://schemas.openxmlformats.org/presentationml/2006/main">
+  <p:cSld>
+    <p:spTree>
+      <p:nvGrpSpPr>
+        <p:cNvPr id="1" name=""/>
+        <p:cNvGrpSpPr/>
+        <p:nvPr/>
+      </p:nvGrpSpPr>
+      <p:grpSpPr>
+        <a:xfrm>
+          <a:off x="0" y="0"/>
+          <a:ext cx="0" cy="0"/>
+          <a:chOff x="0" y="0"/>
+          <a:chExt cx="0" cy="0"/>
+        </a:xfrm>
+      </p:grpSpPr>
+      <p:sp>
+        <p:nvSpPr>
           <p:cNvPr id="2" name="Picture Placeholder 1">
             <a:extLst>
               <a:ext uri="{FF2B5EF4-FFF2-40B4-BE49-F238E27FC236}">
@@ -18015,7 +18706,7 @@
 </p:sld>
 </file>
 
-<file path=ppt/slides/slide26.xml><?xml version="1.0" encoding="utf-8"?>
+<file path=ppt/slides/slide28.xml><?xml version="1.0" encoding="utf-8"?>
 <p:sld xmlns:a="http://schemas.openxmlformats.org/drawingml/2006/main" xmlns:r="http://schemas.openxmlformats.org/officeDocument/2006/relationships" xmlns:p="http://schemas.openxmlformats.org/presentationml/2006/main">
   <p:cSld>
     <p:spTree>
@@ -19753,6 +20444,15 @@
               <a:t>Wrapper</a:t>
             </a:r>
           </a:p>
+          <a:p>
+            <a:r>
+              <a:rPr lang="de-CH" dirty="0"/>
+              <a:t>Cypress</a:t>
+            </a:r>
+          </a:p>
+          <a:p>
+            <a:endParaRPr lang="de-CH" dirty="0"/>
+          </a:p>
         </p:txBody>
       </p:sp>
       <p:sp>
@@ -20115,31 +20815,31 @@
 
 <file path=ppt/tags/tag25.xml><?xml version="1.0" encoding="utf-8"?>
 <p:tagLst xmlns:a="http://schemas.openxmlformats.org/drawingml/2006/main" xmlns:r="http://schemas.openxmlformats.org/officeDocument/2006/relationships" xmlns:p="http://schemas.openxmlformats.org/presentationml/2006/main">
+  <p:tag name="TEMPLAFYSLIDEID" val="636693228413615633"/>
+</p:tagLst>
+</file>
+
+<file path=ppt/tags/tag26.xml><?xml version="1.0" encoding="utf-8"?>
+<p:tagLst xmlns:a="http://schemas.openxmlformats.org/drawingml/2006/main" xmlns:r="http://schemas.openxmlformats.org/officeDocument/2006/relationships" xmlns:p="http://schemas.openxmlformats.org/presentationml/2006/main">
+  <p:tag name="TEMPLAFYSLIDEID" val="636693228414995747"/>
+</p:tagLst>
+</file>
+
+<file path=ppt/tags/tag27.xml><?xml version="1.0" encoding="utf-8"?>
+<p:tagLst xmlns:a="http://schemas.openxmlformats.org/drawingml/2006/main" xmlns:r="http://schemas.openxmlformats.org/officeDocument/2006/relationships" xmlns:p="http://schemas.openxmlformats.org/presentationml/2006/main">
   <p:tag name="TEMPLAFYSLIDEID" val="636693228413122549"/>
 </p:tagLst>
 </file>
 
-<file path=ppt/tags/tag26.xml><?xml version="1.0" encoding="utf-8"?>
+<file path=ppt/tags/tag28.xml><?xml version="1.0" encoding="utf-8"?>
 <p:tagLst xmlns:a="http://schemas.openxmlformats.org/drawingml/2006/main" xmlns:r="http://schemas.openxmlformats.org/officeDocument/2006/relationships" xmlns:p="http://schemas.openxmlformats.org/presentationml/2006/main">
   <p:tag name="TEMPLAFYSLIDEID" val="636693228413277011"/>
 </p:tagLst>
 </file>
 
-<file path=ppt/tags/tag27.xml><?xml version="1.0" encoding="utf-8"?>
+<file path=ppt/tags/tag29.xml><?xml version="1.0" encoding="utf-8"?>
 <p:tagLst xmlns:a="http://schemas.openxmlformats.org/drawingml/2006/main" xmlns:r="http://schemas.openxmlformats.org/officeDocument/2006/relationships" xmlns:p="http://schemas.openxmlformats.org/presentationml/2006/main">
   <p:tag name="TEMPLAFYSLIDEID" val="636693228413615633"/>
-</p:tagLst>
-</file>
-
-<file path=ppt/tags/tag28.xml><?xml version="1.0" encoding="utf-8"?>
-<p:tagLst xmlns:a="http://schemas.openxmlformats.org/drawingml/2006/main" xmlns:r="http://schemas.openxmlformats.org/officeDocument/2006/relationships" xmlns:p="http://schemas.openxmlformats.org/presentationml/2006/main">
-  <p:tag name="TEMPLAFYSLIDEID" val="636693228413917076"/>
-</p:tagLst>
-</file>
-
-<file path=ppt/tags/tag29.xml><?xml version="1.0" encoding="utf-8"?>
-<p:tagLst xmlns:a="http://schemas.openxmlformats.org/drawingml/2006/main" xmlns:r="http://schemas.openxmlformats.org/officeDocument/2006/relationships" xmlns:p="http://schemas.openxmlformats.org/presentationml/2006/main">
-  <p:tag name="TEMPLAFYSLIDEID" val="636693228414214509"/>
 </p:tagLst>
 </file>
 
@@ -20151,47 +20851,59 @@
 
 <file path=ppt/tags/tag30.xml><?xml version="1.0" encoding="utf-8"?>
 <p:tagLst xmlns:a="http://schemas.openxmlformats.org/drawingml/2006/main" xmlns:r="http://schemas.openxmlformats.org/officeDocument/2006/relationships" xmlns:p="http://schemas.openxmlformats.org/presentationml/2006/main">
+  <p:tag name="TEMPLAFYSLIDEID" val="636693228413917076"/>
+</p:tagLst>
+</file>
+
+<file path=ppt/tags/tag31.xml><?xml version="1.0" encoding="utf-8"?>
+<p:tagLst xmlns:a="http://schemas.openxmlformats.org/drawingml/2006/main" xmlns:r="http://schemas.openxmlformats.org/officeDocument/2006/relationships" xmlns:p="http://schemas.openxmlformats.org/presentationml/2006/main">
+  <p:tag name="TEMPLAFYSLIDEID" val="636693228414214509"/>
+</p:tagLst>
+</file>
+
+<file path=ppt/tags/tag32.xml><?xml version="1.0" encoding="utf-8"?>
+<p:tagLst xmlns:a="http://schemas.openxmlformats.org/drawingml/2006/main" xmlns:r="http://schemas.openxmlformats.org/officeDocument/2006/relationships" xmlns:p="http://schemas.openxmlformats.org/presentationml/2006/main">
   <p:tag name="TEMPLAFYSLIDEID" val="636693228414995747"/>
 </p:tagLst>
 </file>
 
-<file path=ppt/tags/tag31.xml><?xml version="1.0" encoding="utf-8"?>
+<file path=ppt/tags/tag33.xml><?xml version="1.0" encoding="utf-8"?>
 <p:tagLst xmlns:a="http://schemas.openxmlformats.org/drawingml/2006/main" xmlns:r="http://schemas.openxmlformats.org/officeDocument/2006/relationships" xmlns:p="http://schemas.openxmlformats.org/presentationml/2006/main">
   <p:tag name="TEMPLAFYSLIDEID" val="636693228415776985"/>
 </p:tagLst>
 </file>
 
-<file path=ppt/tags/tag32.xml><?xml version="1.0" encoding="utf-8"?>
+<file path=ppt/tags/tag34.xml><?xml version="1.0" encoding="utf-8"?>
 <p:tagLst xmlns:a="http://schemas.openxmlformats.org/drawingml/2006/main" xmlns:r="http://schemas.openxmlformats.org/officeDocument/2006/relationships" xmlns:p="http://schemas.openxmlformats.org/presentationml/2006/main">
   <p:tag name="TEMPLAFYSLIDEID" val="636693228416250748"/>
 </p:tagLst>
 </file>
 
-<file path=ppt/tags/tag33.xml><?xml version="1.0" encoding="utf-8"?>
+<file path=ppt/tags/tag35.xml><?xml version="1.0" encoding="utf-8"?>
 <p:tagLst xmlns:a="http://schemas.openxmlformats.org/drawingml/2006/main" xmlns:r="http://schemas.openxmlformats.org/officeDocument/2006/relationships" xmlns:p="http://schemas.openxmlformats.org/presentationml/2006/main">
   <p:tag name="TEMPLAFYSLIDEID" val="636693228416561471"/>
 </p:tagLst>
 </file>
 
-<file path=ppt/tags/tag34.xml><?xml version="1.0" encoding="utf-8"?>
+<file path=ppt/tags/tag36.xml><?xml version="1.0" encoding="utf-8"?>
 <p:tagLst xmlns:a="http://schemas.openxmlformats.org/drawingml/2006/main" xmlns:r="http://schemas.openxmlformats.org/officeDocument/2006/relationships" xmlns:p="http://schemas.openxmlformats.org/presentationml/2006/main">
   <p:tag name="TEMPLAFYSLIDEID" val="636693228416870733"/>
 </p:tagLst>
 </file>
 
-<file path=ppt/tags/tag35.xml><?xml version="1.0" encoding="utf-8"?>
+<file path=ppt/tags/tag37.xml><?xml version="1.0" encoding="utf-8"?>
 <p:tagLst xmlns:a="http://schemas.openxmlformats.org/drawingml/2006/main" xmlns:r="http://schemas.openxmlformats.org/officeDocument/2006/relationships" xmlns:p="http://schemas.openxmlformats.org/presentationml/2006/main">
   <p:tag name="TEMPLAFYSLIDEID" val="636693228417219410"/>
 </p:tagLst>
 </file>
 
-<file path=ppt/tags/tag36.xml><?xml version="1.0" encoding="utf-8"?>
+<file path=ppt/tags/tag38.xml><?xml version="1.0" encoding="utf-8"?>
 <p:tagLst xmlns:a="http://schemas.openxmlformats.org/drawingml/2006/main" xmlns:r="http://schemas.openxmlformats.org/officeDocument/2006/relationships" xmlns:p="http://schemas.openxmlformats.org/presentationml/2006/main">
   <p:tag name="TEMPLAFYSLIDEID" val="636693228421270713"/>
 </p:tagLst>
 </file>
 
-<file path=ppt/tags/tag37.xml><?xml version="1.0" encoding="utf-8"?>
+<file path=ppt/tags/tag39.xml><?xml version="1.0" encoding="utf-8"?>
 <p:tagLst xmlns:a="http://schemas.openxmlformats.org/drawingml/2006/main" xmlns:r="http://schemas.openxmlformats.org/officeDocument/2006/relationships" xmlns:p="http://schemas.openxmlformats.org/presentationml/2006/main">
   <p:tag name="TEMPLAFYSLIDEID" val="636693228421402005"/>
 </p:tagLst>
@@ -21030,23 +21742,23 @@
 </file>
 
 <file path=customXml/item1.xml><?xml version="1.0" encoding="utf-8"?>
-<TemplafySlideFormConfiguration><![CDATA[{"formFields":[],"formDataEntries":[]}]]></TemplafySlideFormConfiguration>
+<TemplafyFormConfiguration><![CDATA[{"formFields":[{"required":true,"type":"datePicker","name":"Date","label":"Date","helpTexts":{"prefix":"","postfix":""},"spacing":{},"fullyQualifiedName":"Date"},{"dataSource":"PrivacyInformation","displayColumn":"privacyInformation","hideIfNoUserInteractionRequired":false,"distinct":true,"filter":{"column":"iana","otherFieldName":"Language","fullyQualifiedOtherFieldName":"Language","otherFieldColumn":"iana","formReference":"userProfile","operator":"equals"},"required":false,"autoSelectFirstOption":false,"type":"dropDown","name":"Privacy_Information","label":"Privacy","helpTexts":{"prefix":"","postfix":""},"spacing":{},"fullyQualifiedName":"Privacy_Information"},{"required":true,"placeholder":"","lines":0,"type":"textBox","name":"PresentationTitle","label":"Presentation Title","helpTexts":{"prefix":"","postfix":""},"spacing":{},"fullyQualifiedName":"PresentationTitle"}],"formDataEntries":[{"name":"Date","value":"sa7vUS5foURaul8l6MuCXg=="},{"name":"Privacy_Information","value":"QZCuGuUO8tdquqAvUIPFoA=="},{"name":"PresentationTitle","value":"xVVHf4mJeYL8KvsMNE1lJoTCUqIur6yPdlpfI08Yw7c="}]}]]></TemplafyFormConfiguration>
 </file>
 
 <file path=customXml/item10.xml><?xml version="1.0" encoding="utf-8"?>
-<TemplafySlideTemplateConfiguration><![CDATA[{"elementsMetadata":[],"documentContentValidatorConfiguration":{"enableDocumentContentValidator":false,"documentContentValidatorVersion":0},"slideId":"636746835490004268","enableDocumentContentUpdater":true,"version":"1.0"}]]></TemplafySlideTemplateConfiguration>
+<TemplafySlideTemplateConfiguration><![CDATA[{"elementsMetadata":[],"documentContentValidatorConfiguration":{"enableDocumentContentValidator":false,"documentContentValidatorVersion":0},"slideId":"636746835489847965","enableDocumentContentUpdater":true,"version":"1.0"}]]></TemplafySlideTemplateConfiguration>
 </file>
 
 <file path=customXml/item11.xml><?xml version="1.0" encoding="utf-8"?>
-<TemplafySlideFormConfiguration><![CDATA[{"formFields":[],"formDataEntries":[]}]]></TemplafySlideFormConfiguration>
+<TemplafySlideTemplateConfiguration><![CDATA[{"elementsMetadata":[],"documentContentValidatorConfiguration":{"enableDocumentContentValidator":false,"documentContentValidatorVersion":0},"slideId":"636746835489847965","enableDocumentContentUpdater":true,"version":"1.0"}]]></TemplafySlideTemplateConfiguration>
 </file>
 
 <file path=customXml/item12.xml><?xml version="1.0" encoding="utf-8"?>
-<TemplafySlideTemplateConfiguration><![CDATA[{"elementsMetadata":[],"documentContentValidatorConfiguration":{"enableDocumentContentValidator":false,"documentContentValidatorVersion":0},"slideId":"636746835489847965","enableDocumentContentUpdater":true,"version":"1.0"}]]></TemplafySlideTemplateConfiguration>
+<TemplafySlideTemplateConfiguration><![CDATA[{"elementsMetadata":[],"documentContentValidatorConfiguration":{"enableDocumentContentValidator":false,"documentContentValidatorVersion":0},"slideId":"636746835489847963","enableDocumentContentUpdater":true,"version":"1.0"}]]></TemplafySlideTemplateConfiguration>
 </file>
 
 <file path=customXml/item13.xml><?xml version="1.0" encoding="utf-8"?>
-<TemplafySlideTemplateConfiguration><![CDATA[{"elementsMetadata":[],"documentContentValidatorConfiguration":{"enableDocumentContentValidator":false,"documentContentValidatorVersion":0},"slideId":"636746835490666029","enableDocumentContentUpdater":true,"version":"1.0"}]]></TemplafySlideTemplateConfiguration>
+<TemplafySlideTemplateConfiguration><![CDATA[{"elementsMetadata":[],"documentContentValidatorConfiguration":{"enableDocumentContentValidator":false,"documentContentValidatorVersion":0},"slideId":"636746835490666030","enableDocumentContentUpdater":true,"version":"1.0"}]]></TemplafySlideTemplateConfiguration>
 </file>
 
 <file path=customXml/item14.xml><?xml version="1.0" encoding="utf-8"?>
@@ -21054,11 +21766,11 @@
 </file>
 
 <file path=customXml/item15.xml><?xml version="1.0" encoding="utf-8"?>
-<TemplafySlideFormConfiguration><![CDATA[{"formFields":[],"formDataEntries":[]}]]></TemplafySlideFormConfiguration>
+<TemplafySlideTemplateConfiguration><![CDATA[{"elementsMetadata":[],"documentContentValidatorConfiguration":{"enableDocumentContentValidator":false,"documentContentValidatorVersion":0},"slideId":"636746835490160479","enableDocumentContentUpdater":true,"version":"1.0"}]]></TemplafySlideTemplateConfiguration>
 </file>
 
 <file path=customXml/item16.xml><?xml version="1.0" encoding="utf-8"?>
-<TemplafySlideFormConfiguration><![CDATA[{"formFields":[],"formDataEntries":[]}]]></TemplafySlideFormConfiguration>
+<TemplafySlideTemplateConfiguration><![CDATA[{"elementsMetadata":[],"documentContentValidatorConfiguration":{"enableDocumentContentValidator":false,"documentContentValidatorVersion":0},"slideId":"636746835490785779","enableDocumentContentUpdater":true,"version":"1.0"}]]></TemplafySlideTemplateConfiguration>
 </file>
 
 <file path=customXml/item17.xml><?xml version="1.0" encoding="utf-8"?>
@@ -21070,7 +21782,7 @@
 </file>
 
 <file path=customXml/item19.xml><?xml version="1.0" encoding="utf-8"?>
-<TemplafySlideTemplateConfiguration><![CDATA[{"elementsMetadata":[],"documentContentValidatorConfiguration":{"enableDocumentContentValidator":false,"documentContentValidatorVersion":0},"slideId":"636746835490666030","enableDocumentContentUpdater":true,"version":"1.0"}]]></TemplafySlideTemplateConfiguration>
+<TemplafySlideFormConfiguration><![CDATA[{"formFields":[],"formDataEntries":[]}]]></TemplafySlideFormConfiguration>
 </file>
 
 <file path=customXml/item2.xml><?xml version="1.0" encoding="utf-8"?>
@@ -21082,43 +21794,48 @@
 </file>
 
 <file path=customXml/item21.xml><?xml version="1.0" encoding="utf-8"?>
-<TemplafySlideTemplateConfiguration><![CDATA[{"elementsMetadata":[],"documentContentValidatorConfiguration":{"enableDocumentContentValidator":false,"documentContentValidatorVersion":0},"slideId":"636746835490666028","enableDocumentContentUpdater":true,"version":"1.0"}]]></TemplafySlideTemplateConfiguration>
+<?mso-contentType ?>
+<FormTemplates xmlns="http://schemas.microsoft.com/sharepoint/v3/contenttype/forms">
+  <Display>DocumentLibraryForm</Display>
+  <Edit>DocumentLibraryForm</Edit>
+  <New>DocumentLibraryForm</New>
+</FormTemplates>
 </file>
 
 <file path=customXml/item22.xml><?xml version="1.0" encoding="utf-8"?>
+<TemplafySlideFormConfiguration><![CDATA[{"formFields":[],"formDataEntries":[]}]]></TemplafySlideFormConfiguration>
+</file>
+
+<file path=customXml/item23.xml><?xml version="1.0" encoding="utf-8"?>
+<TemplafySlideTemplateConfiguration><![CDATA[{"elementsMetadata":[],"documentContentValidatorConfiguration":{"enableDocumentContentValidator":false,"documentContentValidatorVersion":0},"slideId":"636746835489847965","enableDocumentContentUpdater":true,"version":"1.0"}]]></TemplafySlideTemplateConfiguration>
+</file>
+
+<file path=customXml/item24.xml><?xml version="1.0" encoding="utf-8"?>
+<TemplafySlideTemplateConfiguration><![CDATA[{"elementsMetadata":[],"documentContentValidatorConfiguration":{"enableDocumentContentValidator":false,"documentContentValidatorVersion":0},"slideId":"636746835490004289","enableDocumentContentUpdater":true,"version":"1.0"}]]></TemplafySlideTemplateConfiguration>
+</file>
+
+<file path=customXml/item25.xml><?xml version="1.0" encoding="utf-8"?>
+<TemplafySlideTemplateConfiguration><![CDATA[{"elementsMetadata":[],"documentContentValidatorConfiguration":{"enableDocumentContentValidator":false,"documentContentValidatorVersion":0},"slideId":"636746835489847965","enableDocumentContentUpdater":true,"version":"1.0"}]]></TemplafySlideTemplateConfiguration>
+</file>
+
+<file path=customXml/item26.xml><?xml version="1.0" encoding="utf-8"?>
+<TemplafySlideFormConfiguration><![CDATA[{"formFields":[],"formDataEntries":[]}]]></TemplafySlideFormConfiguration>
+</file>
+
+<file path=customXml/item27.xml><?xml version="1.0" encoding="utf-8"?>
+<TemplafySlideTemplateConfiguration><![CDATA[{"elementsMetadata":[],"documentContentValidatorConfiguration":{"enableDocumentContentValidator":false,"documentContentValidatorVersion":0},"slideId":"636746835490941844","enableDocumentContentUpdater":true,"version":"1.0"}]]></TemplafySlideTemplateConfiguration>
+</file>
+
+<file path=customXml/item28.xml><?xml version="1.0" encoding="utf-8"?>
+<TemplafySlideFormConfiguration><![CDATA[{"formFields":[],"formDataEntries":[]}]]></TemplafySlideFormConfiguration>
+</file>
+
+<file path=customXml/item29.xml><?xml version="1.0" encoding="utf-8"?>
 <TemplafySlideTemplateConfiguration><![CDATA[{"elementsMetadata":[],"documentContentValidatorConfiguration":{"enableDocumentContentValidator":false,"documentContentValidatorVersion":0},"slideId":"636746835490160479","enableDocumentContentUpdater":true,"version":"1.0"}]]></TemplafySlideTemplateConfiguration>
 </file>
 
-<file path=customXml/item23.xml><?xml version="1.0" encoding="utf-8"?>
+<file path=customXml/item3.xml><?xml version="1.0" encoding="utf-8"?>
 <TemplafySlideFormConfiguration><![CDATA[{"formFields":[],"formDataEntries":[]}]]></TemplafySlideFormConfiguration>
-</file>
-
-<file path=customXml/item24.xml><?xml version="1.0" encoding="utf-8"?>
-<TemplafySlideFormConfiguration><![CDATA[{"formFields":[],"formDataEntries":[]}]]></TemplafySlideFormConfiguration>
-</file>
-
-<file path=customXml/item25.xml><?xml version="1.0" encoding="utf-8"?>
-<TemplafySlideTemplateConfiguration><![CDATA[{"elementsMetadata":[],"documentContentValidatorConfiguration":{"enableDocumentContentValidator":false,"documentContentValidatorVersion":0},"slideId":"636746835490941844","enableDocumentContentUpdater":true,"version":"1.0"}]]></TemplafySlideTemplateConfiguration>
-</file>
-
-<file path=customXml/item26.xml><?xml version="1.0" encoding="utf-8"?>
-<TemplafySlideTemplateConfiguration><![CDATA[{"elementsMetadata":[],"documentContentValidatorConfiguration":{"enableDocumentContentValidator":false,"documentContentValidatorVersion":0},"slideId":"636746835490785781","enableDocumentContentUpdater":true,"version":"1.0"}]]></TemplafySlideTemplateConfiguration>
-</file>
-
-<file path=customXml/item27.xml><?xml version="1.0" encoding="utf-8"?>
-<TemplafySlideTemplateConfiguration><![CDATA[{"elementsMetadata":[],"documentContentValidatorConfiguration":{"enableDocumentContentValidator":false,"documentContentValidatorVersion":0},"slideId":"636746835490785779","enableDocumentContentUpdater":true,"version":"1.0"}]]></TemplafySlideTemplateConfiguration>
-</file>
-
-<file path=customXml/item28.xml><?xml version="1.0" encoding="utf-8"?>
-<TemplafySlideTemplateConfiguration><![CDATA[{"elementsMetadata":[],"documentContentValidatorConfiguration":{"enableDocumentContentValidator":false,"documentContentValidatorVersion":0},"slideId":"636746835490785780","enableDocumentContentUpdater":true,"version":"1.0"}]]></TemplafySlideTemplateConfiguration>
-</file>
-
-<file path=customXml/item29.xml><?xml version="1.0" encoding="utf-8"?>
-<TemplafyTemplateConfiguration><![CDATA[{"elementsMetadata":[{"type":"shape","id":"29ccd22f-072f-4bca-99e2-2f54902bc6d7","elementConfiguration":{"binding":"UserProfile.Name","disableUpdates":false,"type":"text"}},{"type":"shape","id":"5ac81ea4-86eb-4740-a562-c99866fa306a","elementConfiguration":{"binding":"Form.PresentationTitle","disableUpdates":false,"type":"text"}},{"type":"shape","id":"ab9abad2-dfdb-43de-ba6f-7fed4e167a10","elementConfiguration":{"binding":"Form.Date","disableUpdates":false,"type":"date"}},{"type":"shape","id":"1e911c13-dda2-485d-963b-a3dd10f84e87","elementConfiguration":{"binding":"Form.Privacy_Information.PrivacyInformation","disableUpdates":false,"type":"text"}}],"transformationConfigurations":[],"templateName":"Empty Zuehlke Template - EN","templateDescription":"Empty presentation 16:9 format EN-UK ","enableDocumentContentUpdater":true,"version":"1.0"}]]></TemplafyTemplateConfiguration>
-</file>
-
-<file path=customXml/item3.xml><?xml version="1.0" encoding="utf-8"?>
-<TemplafySlideTemplateConfiguration><![CDATA[{"elementsMetadata":[],"documentContentValidatorConfiguration":{"enableDocumentContentValidator":false,"documentContentValidatorVersion":0},"slideId":"636746835490004289","enableDocumentContentUpdater":true,"version":"1.0"}]]></TemplafySlideTemplateConfiguration>
 </file>
 
 <file path=customXml/item30.xml><?xml version="1.0" encoding="utf-8"?>
@@ -21130,7 +21847,7 @@
 </file>
 
 <file path=customXml/item32.xml><?xml version="1.0" encoding="utf-8"?>
-<TemplafySlideTemplateConfiguration><![CDATA[{"elementsMetadata":[],"documentContentValidatorConfiguration":{"enableDocumentContentValidator":false,"documentContentValidatorVersion":0},"slideId":"636746835490160479","enableDocumentContentUpdater":true,"version":"1.0"}]]></TemplafySlideTemplateConfiguration>
+<TemplafySlideFormConfiguration><![CDATA[{"formFields":[],"formDataEntries":[]}]]></TemplafySlideFormConfiguration>
 </file>
 
 <file path=customXml/item33.xml><?xml version="1.0" encoding="utf-8"?>
@@ -21138,7 +21855,7 @@
 </file>
 
 <file path=customXml/item34.xml><?xml version="1.0" encoding="utf-8"?>
-<TemplafySlideTemplateConfiguration><![CDATA[{"elementsMetadata":[],"documentContentValidatorConfiguration":{"enableDocumentContentValidator":false,"documentContentValidatorVersion":0},"slideId":"636746835490160479","enableDocumentContentUpdater":true,"version":"1.0"}]]></TemplafySlideTemplateConfiguration>
+<TemplafySlideFormConfiguration><![CDATA[{"formFields":[],"formDataEntries":[]}]]></TemplafySlideFormConfiguration>
 </file>
 
 <file path=customXml/item35.xml><?xml version="1.0" encoding="utf-8"?>
@@ -21146,7 +21863,7 @@
 </file>
 
 <file path=customXml/item36.xml><?xml version="1.0" encoding="utf-8"?>
-<TemplafySlideTemplateConfiguration><![CDATA[{"elementsMetadata":[],"documentContentValidatorConfiguration":{"enableDocumentContentValidator":false,"documentContentValidatorVersion":0},"slideId":"636746835490160479","enableDocumentContentUpdater":true,"version":"1.0"}]]></TemplafySlideTemplateConfiguration>
+<TemplafySlideFormConfiguration><![CDATA[{"formFields":[],"formDataEntries":[]}]]></TemplafySlideFormConfiguration>
 </file>
 
 <file path=customXml/item37.xml><?xml version="1.0" encoding="utf-8"?>
@@ -21154,7 +21871,7 @@
 </file>
 
 <file path=customXml/item38.xml><?xml version="1.0" encoding="utf-8"?>
-<TemplafySlideTemplateConfiguration><![CDATA[{"elementsMetadata":[],"documentContentValidatorConfiguration":{"enableDocumentContentValidator":false,"documentContentValidatorVersion":0},"slideId":"636746835490160479","enableDocumentContentUpdater":true,"version":"1.0"}]]></TemplafySlideTemplateConfiguration>
+<TemplafySlideTemplateConfiguration><![CDATA[{"elementsMetadata":[],"documentContentValidatorConfiguration":{"enableDocumentContentValidator":false,"documentContentValidatorVersion":0},"slideId":"636746835490785780","enableDocumentContentUpdater":true,"version":"1.0"}]]></TemplafySlideTemplateConfiguration>
 </file>
 
 <file path=customXml/item39.xml><?xml version="1.0" encoding="utf-8"?>
@@ -21162,19 +21879,21 @@
 </file>
 
 <file path=customXml/item4.xml><?xml version="1.0" encoding="utf-8"?>
-<TemplafySlideTemplateConfiguration><![CDATA[{"elementsMetadata":[],"documentContentValidatorConfiguration":{"enableDocumentContentValidator":false,"documentContentValidatorVersion":0},"slideId":"636746835489847964","enableDocumentContentUpdater":true,"version":"1.0"}]]></TemplafySlideTemplateConfiguration>
+<TemplafyTemplateConfiguration><![CDATA[{"elementsMetadata":[{"type":"shape","id":"29ccd22f-072f-4bca-99e2-2f54902bc6d7","elementConfiguration":{"binding":"UserProfile.Name","disableUpdates":false,"type":"text"}},{"type":"shape","id":"5ac81ea4-86eb-4740-a562-c99866fa306a","elementConfiguration":{"binding":"Form.PresentationTitle","disableUpdates":false,"type":"text"}},{"type":"shape","id":"ab9abad2-dfdb-43de-ba6f-7fed4e167a10","elementConfiguration":{"binding":"Form.Date","disableUpdates":false,"type":"date"}},{"type":"shape","id":"1e911c13-dda2-485d-963b-a3dd10f84e87","elementConfiguration":{"binding":"Form.Privacy_Information.PrivacyInformation","disableUpdates":false,"type":"text"}}],"transformationConfigurations":[],"templateName":"Empty Zuehlke Template - EN","templateDescription":"Empty presentation 16:9 format EN-UK ","enableDocumentContentUpdater":true,"version":"1.0"}]]></TemplafyTemplateConfiguration>
 </file>
 
 <file path=customXml/item40.xml><?xml version="1.0" encoding="utf-8"?>
-<TemplafySlideFormConfiguration><![CDATA[{"formFields":[],"formDataEntries":[]}]]></TemplafySlideFormConfiguration>
+<TemplafySlideTemplateConfiguration><![CDATA[{"elementsMetadata":[],"documentContentValidatorConfiguration":{"enableDocumentContentValidator":false,"documentContentValidatorVersion":0},"slideId":"636746835489847965","enableDocumentContentUpdater":true,"version":"1.0"}]]></TemplafySlideTemplateConfiguration>
 </file>
 
 <file path=customXml/item41.xml><?xml version="1.0" encoding="utf-8"?>
-<TemplafySlideFormConfiguration><![CDATA[{"formFields":[],"formDataEntries":[]}]]></TemplafySlideFormConfiguration>
+<p:properties xmlns:p="http://schemas.microsoft.com/office/2006/metadata/properties" xmlns:xsi="http://www.w3.org/2001/XMLSchema-instance" xmlns:pc="http://schemas.microsoft.com/office/infopath/2007/PartnerControls">
+  <documentManagement/>
+</p:properties>
 </file>
 
 <file path=customXml/item42.xml><?xml version="1.0" encoding="utf-8"?>
-<TemplafySlideTemplateConfiguration><![CDATA[{"elementsMetadata":[],"documentContentValidatorConfiguration":{"enableDocumentContentValidator":false,"documentContentValidatorVersion":0},"slideId":"636746835489847965","enableDocumentContentUpdater":true,"version":"1.0"}]]></TemplafySlideTemplateConfiguration>
+<TemplafySlideTemplateConfiguration><![CDATA[{"elementsMetadata":[],"documentContentValidatorConfiguration":{"enableDocumentContentValidator":false,"documentContentValidatorVersion":0},"slideId":"636746835490004268","enableDocumentContentUpdater":true,"version":"1.0"}]]></TemplafySlideTemplateConfiguration>
 </file>
 
 <file path=customXml/item43.xml><?xml version="1.0" encoding="utf-8"?>
@@ -21186,50 +21905,58 @@
 </file>
 
 <file path=customXml/item45.xml><?xml version="1.0" encoding="utf-8"?>
+<TemplafySlideFormConfiguration><![CDATA[{"formFields":[],"formDataEntries":[]}]]></TemplafySlideFormConfiguration>
+</file>
+
+<file path=customXml/item46.xml><?xml version="1.0" encoding="utf-8"?>
+<TemplafySlideTemplateConfiguration><![CDATA[{"elementsMetadata":[],"documentContentValidatorConfiguration":{"enableDocumentContentValidator":false,"documentContentValidatorVersion":0},"slideId":"636746835489847964","enableDocumentContentUpdater":true,"version":"1.0"}]]></TemplafySlideTemplateConfiguration>
+</file>
+
+<file path=customXml/item47.xml><?xml version="1.0" encoding="utf-8"?>
+<TemplafySlideFormConfiguration><![CDATA[{"formFields":[],"formDataEntries":[]}]]></TemplafySlideFormConfiguration>
+</file>
+
+<file path=customXml/item48.xml><?xml version="1.0" encoding="utf-8"?>
+<TemplafySlideTemplateConfiguration><![CDATA[{"elementsMetadata":[],"documentContentValidatorConfiguration":{"enableDocumentContentValidator":false,"documentContentValidatorVersion":0},"slideId":"636746835490666029","enableDocumentContentUpdater":true,"version":"1.0"}]]></TemplafySlideTemplateConfiguration>
+</file>
+
+<file path=customXml/item49.xml><?xml version="1.0" encoding="utf-8"?>
+<TemplafySlideFormConfiguration><![CDATA[{"formFields":[],"formDataEntries":[]}]]></TemplafySlideFormConfiguration>
+</file>
+
+<file path=customXml/item5.xml><?xml version="1.0" encoding="utf-8"?>
+<TemplafySlideFormConfiguration><![CDATA[{"formFields":[],"formDataEntries":[]}]]></TemplafySlideFormConfiguration>
+</file>
+
+<file path=customXml/item50.xml><?xml version="1.0" encoding="utf-8"?>
+<TemplafySlideTemplateConfiguration><![CDATA[{"elementsMetadata":[],"documentContentValidatorConfiguration":{"enableDocumentContentValidator":false,"documentContentValidatorVersion":0},"slideId":"636746835490160479","enableDocumentContentUpdater":true,"version":"1.0"}]]></TemplafySlideTemplateConfiguration>
+</file>
+
+<file path=customXml/item51.xml><?xml version="1.0" encoding="utf-8"?>
+<TemplafySlideTemplateConfiguration><![CDATA[{"elementsMetadata":[],"documentContentValidatorConfiguration":{"enableDocumentContentValidator":false,"documentContentValidatorVersion":0},"slideId":"636746835490785781","enableDocumentContentUpdater":true,"version":"1.0"}]]></TemplafySlideTemplateConfiguration>
+</file>
+
+<file path=customXml/item52.xml><?xml version="1.0" encoding="utf-8"?>
+<TemplafySlideTemplateConfiguration><![CDATA[{"elementsMetadata":[],"documentContentValidatorConfiguration":{"enableDocumentContentValidator":false,"documentContentValidatorVersion":0},"slideId":"636746835490666028","enableDocumentContentUpdater":true,"version":"1.0"}]]></TemplafySlideTemplateConfiguration>
+</file>
+
+<file path=customXml/item53.xml><?xml version="1.0" encoding="utf-8"?>
+<TemplafySlideTemplateConfiguration><![CDATA[{"elementsMetadata":[],"documentContentValidatorConfiguration":{"enableDocumentContentValidator":false,"documentContentValidatorVersion":0},"slideId":"636746835490160479","enableDocumentContentUpdater":true,"version":"1.0"}]]></TemplafySlideTemplateConfiguration>
+</file>
+
+<file path=customXml/item54.xml><?xml version="1.0" encoding="utf-8"?>
 <TemplafySlideTemplateConfiguration><![CDATA[{"elementsMetadata":[],"documentContentValidatorConfiguration":{"enableDocumentContentValidator":false,"documentContentValidatorVersion":0},"slideId":"636746835489847965","enableDocumentContentUpdater":true,"version":"1.0"}]]></TemplafySlideTemplateConfiguration>
 </file>
 
-<file path=customXml/item46.xml><?xml version="1.0" encoding="utf-8"?>
+<file path=customXml/item55.xml><?xml version="1.0" encoding="utf-8"?>
+<TemplafySlideTemplateConfiguration><![CDATA[{"elementsMetadata":[],"documentContentValidatorConfiguration":{"enableDocumentContentValidator":false,"documentContentValidatorVersion":0},"slideId":"636746835489847965","enableDocumentContentUpdater":true,"version":"1.0"}]]></TemplafySlideTemplateConfiguration>
+</file>
+
+<file path=customXml/item56.xml><?xml version="1.0" encoding="utf-8"?>
 <TemplafySlideFormConfiguration><![CDATA[{"formFields":[],"formDataEntries":[]}]]></TemplafySlideFormConfiguration>
 </file>
 
-<file path=customXml/item47.xml><?xml version="1.0" encoding="utf-8"?>
-<TemplafySlideTemplateConfiguration><![CDATA[{"elementsMetadata":[],"documentContentValidatorConfiguration":{"enableDocumentContentValidator":false,"documentContentValidatorVersion":0},"slideId":"636746835489847965","enableDocumentContentUpdater":true,"version":"1.0"}]]></TemplafySlideTemplateConfiguration>
-</file>
-
-<file path=customXml/item48.xml><?xml version="1.0" encoding="utf-8"?>
-<TemplafySlideFormConfiguration><![CDATA[{"formFields":[],"formDataEntries":[]}]]></TemplafySlideFormConfiguration>
-</file>
-
-<file path=customXml/item49.xml><?xml version="1.0" encoding="utf-8"?>
-<TemplafySlideTemplateConfiguration><![CDATA[{"elementsMetadata":[],"documentContentValidatorConfiguration":{"enableDocumentContentValidator":false,"documentContentValidatorVersion":0},"slideId":"636746835489847965","enableDocumentContentUpdater":true,"version":"1.0"}]]></TemplafySlideTemplateConfiguration>
-</file>
-
-<file path=customXml/item5.xml><?xml version="1.0" encoding="utf-8"?>
-<TemplafySlideTemplateConfiguration><![CDATA[{"elementsMetadata":[],"documentContentValidatorConfiguration":{"enableDocumentContentValidator":false,"documentContentValidatorVersion":0},"slideId":"636746835489847963","enableDocumentContentUpdater":true,"version":"1.0"}]]></TemplafySlideTemplateConfiguration>
-</file>
-
-<file path=customXml/item50.xml><?xml version="1.0" encoding="utf-8"?>
-<TemplafySlideFormConfiguration><![CDATA[{"formFields":[],"formDataEntries":[]}]]></TemplafySlideFormConfiguration>
-</file>
-
-<file path=customXml/item51.xml><?xml version="1.0" encoding="utf-8"?>
-<TemplafySlideTemplateConfiguration><![CDATA[{"elementsMetadata":[],"documentContentValidatorConfiguration":{"enableDocumentContentValidator":false,"documentContentValidatorVersion":0},"slideId":"636746835489847965","enableDocumentContentUpdater":true,"version":"1.0"}]]></TemplafySlideTemplateConfiguration>
-</file>
-
-<file path=customXml/item52.xml><?xml version="1.0" encoding="utf-8"?>
-<TemplafySlideFormConfiguration><![CDATA[{"formFields":[],"formDataEntries":[]}]]></TemplafySlideFormConfiguration>
-</file>
-
-<file path=customXml/item53.xml><?xml version="1.0" encoding="utf-8"?>
-<TemplafySlideTemplateConfiguration><![CDATA[{"elementsMetadata":[],"documentContentValidatorConfiguration":{"enableDocumentContentValidator":false,"documentContentValidatorVersion":0},"slideId":"636746835489847965","enableDocumentContentUpdater":true,"version":"1.0"}]]></TemplafySlideTemplateConfiguration>
-</file>
-
-<file path=customXml/item54.xml><?xml version="1.0" encoding="utf-8"?>
-<TemplafySlideFormConfiguration><![CDATA[{"formFields":[],"formDataEntries":[]}]]></TemplafySlideFormConfiguration>
-</file>
-
-<file path=customXml/item55.xml><?xml version="1.0" encoding="utf-8"?>
+<file path=customXml/item57.xml><?xml version="1.0" encoding="utf-8"?>
 <ct:contentTypeSchema xmlns:ct="http://schemas.microsoft.com/office/2006/metadata/contentType" xmlns:ma="http://schemas.microsoft.com/office/2006/metadata/properties/metaAttributes" ct:_="" ma:_="" ma:contentTypeName="Document" ma:contentTypeID="0x0101009200B0DB6118364298CEE83143DDA1A6" ma:contentTypeVersion="13" ma:contentTypeDescription="Create a new document." ma:contentTypeScope="" ma:versionID="2b279e8665eae4b4a88a426a70f10e89">
   <xsd:schema xmlns:xsd="http://www.w3.org/2001/XMLSchema" xmlns:xs="http://www.w3.org/2001/XMLSchema" xmlns:p="http://schemas.microsoft.com/office/2006/metadata/properties" xmlns:ns3="467c5029-ddee-444c-9366-f1fb7fd20d22" xmlns:ns4="48366166-8ada-4a4d-b80f-257ee450ee9d" targetNamespace="http://schemas.microsoft.com/office/2006/metadata/properties" ma:root="true" ma:fieldsID="7d694051eda74c83061a487ecf06d4e3" ns3:_="" ns4:_="">
     <xsd:import namespace="467c5029-ddee-444c-9366-f1fb7fd20d22"/>
@@ -21452,27 +22179,28 @@
 </ct:contentTypeSchema>
 </file>
 
-<file path=customXml/item56.xml><?xml version="1.0" encoding="utf-8"?>
-<?mso-contentType ?>
-<FormTemplates xmlns="http://schemas.microsoft.com/sharepoint/v3/contenttype/forms">
-  <Display>DocumentLibraryForm</Display>
-  <Edit>DocumentLibraryForm</Edit>
-  <New>DocumentLibraryForm</New>
-</FormTemplates>
-</file>
-
-<file path=customXml/item57.xml><?xml version="1.0" encoding="utf-8"?>
-<p:properties xmlns:p="http://schemas.microsoft.com/office/2006/metadata/properties" xmlns:xsi="http://www.w3.org/2001/XMLSchema-instance" xmlns:pc="http://schemas.microsoft.com/office/infopath/2007/PartnerControls">
-  <documentManagement/>
-</p:properties>
+<file path=customXml/item58.xml><?xml version="1.0" encoding="utf-8"?>
+<TemplafySlideTemplateConfiguration><![CDATA[{"elementsMetadata":[],"documentContentValidatorConfiguration":{"enableDocumentContentValidator":false,"documentContentValidatorVersion":0},"slideId":"636746835490160479","enableDocumentContentUpdater":true,"version":"1.0"}]]></TemplafySlideTemplateConfiguration>
+</file>
+
+<file path=customXml/item59.xml><?xml version="1.0" encoding="utf-8"?>
+<TemplafySlideFormConfiguration><![CDATA[{"formFields":[],"formDataEntries":[]}]]></TemplafySlideFormConfiguration>
 </file>
 
 <file path=customXml/item6.xml><?xml version="1.0" encoding="utf-8"?>
 <TemplafySlideFormConfiguration><![CDATA[{"formFields":[],"formDataEntries":[]}]]></TemplafySlideFormConfiguration>
 </file>
 
+<file path=customXml/item60.xml><?xml version="1.0" encoding="utf-8"?>
+<TemplafySlideFormConfiguration><![CDATA[{"formFields":[],"formDataEntries":[]}]]></TemplafySlideFormConfiguration>
+</file>
+
+<file path=customXml/item61.xml><?xml version="1.0" encoding="utf-8"?>
+<TemplafySlideTemplateConfiguration><![CDATA[{"elementsMetadata":[],"documentContentValidatorConfiguration":{"enableDocumentContentValidator":false,"documentContentValidatorVersion":0},"slideId":"636746835489847965","enableDocumentContentUpdater":true,"version":"1.0"}]]></TemplafySlideTemplateConfiguration>
+</file>
+
 <file path=customXml/item7.xml><?xml version="1.0" encoding="utf-8"?>
-<TemplafyFormConfiguration><![CDATA[{"formFields":[{"required":true,"type":"datePicker","name":"Date","label":"Date","helpTexts":{"prefix":"","postfix":""},"spacing":{},"fullyQualifiedName":"Date"},{"dataSource":"PrivacyInformation","displayColumn":"privacyInformation","hideIfNoUserInteractionRequired":false,"distinct":true,"filter":{"column":"iana","otherFieldName":"Language","fullyQualifiedOtherFieldName":"Language","otherFieldColumn":"iana","formReference":"userProfile","operator":"equals"},"required":false,"autoSelectFirstOption":false,"type":"dropDown","name":"Privacy_Information","label":"Privacy","helpTexts":{"prefix":"","postfix":""},"spacing":{},"fullyQualifiedName":"Privacy_Information"},{"required":true,"placeholder":"","lines":0,"type":"textBox","name":"PresentationTitle","label":"Presentation Title","helpTexts":{"prefix":"","postfix":""},"spacing":{},"fullyQualifiedName":"PresentationTitle"}],"formDataEntries":[{"name":"Date","value":"sa7vUS5foURaul8l6MuCXg=="},{"name":"Privacy_Information","value":"QZCuGuUO8tdquqAvUIPFoA=="},{"name":"PresentationTitle","value":"xVVHf4mJeYL8KvsMNE1lJoTCUqIur6yPdlpfI08Yw7c="}]}]]></TemplafyFormConfiguration>
+<TemplafySlideTemplateConfiguration><![CDATA[{"elementsMetadata":[],"documentContentValidatorConfiguration":{"enableDocumentContentValidator":false,"documentContentValidatorVersion":0},"slideId":"636746835490160479","enableDocumentContentUpdater":true,"version":"1.0"}]]></TemplafySlideTemplateConfiguration>
 </file>
 
 <file path=customXml/item8.xml><?xml version="1.0" encoding="utf-8"?>
@@ -21484,31 +22212,31 @@
 </file>
 
 <file path=customXml/itemProps1.xml><?xml version="1.0" encoding="utf-8"?>
-<ds:datastoreItem xmlns:ds="http://schemas.openxmlformats.org/officeDocument/2006/customXml" ds:itemID="{37724B2A-435E-42A4-B596-2ACA99FBB3B1}">
+<ds:datastoreItem xmlns:ds="http://schemas.openxmlformats.org/officeDocument/2006/customXml" ds:itemID="{9117BA10-B137-4884-BAD1-8347BA164335}">
   <ds:schemaRefs/>
 </ds:datastoreItem>
 </file>
 
 <file path=customXml/itemProps10.xml><?xml version="1.0" encoding="utf-8"?>
-<ds:datastoreItem xmlns:ds="http://schemas.openxmlformats.org/officeDocument/2006/customXml" ds:itemID="{4045C7B6-24CF-4215-AE01-E323DB3B7A8A}">
+<ds:datastoreItem xmlns:ds="http://schemas.openxmlformats.org/officeDocument/2006/customXml" ds:itemID="{F8CEC66F-69E7-480C-8073-9F193F9D502E}">
   <ds:schemaRefs/>
 </ds:datastoreItem>
 </file>
 
 <file path=customXml/itemProps11.xml><?xml version="1.0" encoding="utf-8"?>
-<ds:datastoreItem xmlns:ds="http://schemas.openxmlformats.org/officeDocument/2006/customXml" ds:itemID="{0AC1D0B4-1DEB-4C0F-978E-5206534EF19E}">
+<ds:datastoreItem xmlns:ds="http://schemas.openxmlformats.org/officeDocument/2006/customXml" ds:itemID="{9079C530-3D1D-4722-A7EA-16215758514C}">
   <ds:schemaRefs/>
 </ds:datastoreItem>
 </file>
 
 <file path=customXml/itemProps12.xml><?xml version="1.0" encoding="utf-8"?>
-<ds:datastoreItem xmlns:ds="http://schemas.openxmlformats.org/officeDocument/2006/customXml" ds:itemID="{368164A7-F89C-43F0-8856-0052CD65B349}">
+<ds:datastoreItem xmlns:ds="http://schemas.openxmlformats.org/officeDocument/2006/customXml" ds:itemID="{B8F0372F-8CCC-4B1C-B0CA-1FD5C7FE62EF}">
   <ds:schemaRefs/>
 </ds:datastoreItem>
 </file>
 
 <file path=customXml/itemProps13.xml><?xml version="1.0" encoding="utf-8"?>
-<ds:datastoreItem xmlns:ds="http://schemas.openxmlformats.org/officeDocument/2006/customXml" ds:itemID="{ACF74313-8E04-45E3-BC1F-23630242F11E}">
+<ds:datastoreItem xmlns:ds="http://schemas.openxmlformats.org/officeDocument/2006/customXml" ds:itemID="{95CD9227-0306-4C25-B41F-F9AE7B6C8CF2}">
   <ds:schemaRefs/>
 </ds:datastoreItem>
 </file>
@@ -21520,31 +22248,31 @@
 </file>
 
 <file path=customXml/itemProps15.xml><?xml version="1.0" encoding="utf-8"?>
-<ds:datastoreItem xmlns:ds="http://schemas.openxmlformats.org/officeDocument/2006/customXml" ds:itemID="{FD195AB1-FAF8-46A5-94C3-CF8E9D2CF667}">
+<ds:datastoreItem xmlns:ds="http://schemas.openxmlformats.org/officeDocument/2006/customXml" ds:itemID="{E9608FA1-4BA9-4BAD-88D1-1815870DB063}">
   <ds:schemaRefs/>
 </ds:datastoreItem>
 </file>
 
 <file path=customXml/itemProps16.xml><?xml version="1.0" encoding="utf-8"?>
-<ds:datastoreItem xmlns:ds="http://schemas.openxmlformats.org/officeDocument/2006/customXml" ds:itemID="{C3D5A9E1-A7B2-4163-8535-269787D26405}">
+<ds:datastoreItem xmlns:ds="http://schemas.openxmlformats.org/officeDocument/2006/customXml" ds:itemID="{6D4AF97C-E776-4578-A7BB-88481737C97D}">
   <ds:schemaRefs/>
 </ds:datastoreItem>
 </file>
 
 <file path=customXml/itemProps17.xml><?xml version="1.0" encoding="utf-8"?>
-<ds:datastoreItem xmlns:ds="http://schemas.openxmlformats.org/officeDocument/2006/customXml" ds:itemID="{D3607FA5-FF8A-403B-9F82-FF6CCFC04E6C}">
+<ds:datastoreItem xmlns:ds="http://schemas.openxmlformats.org/officeDocument/2006/customXml" ds:itemID="{71A33AC0-4D70-4075-8CC8-3C830303F313}">
   <ds:schemaRefs/>
 </ds:datastoreItem>
 </file>
 
 <file path=customXml/itemProps18.xml><?xml version="1.0" encoding="utf-8"?>
-<ds:datastoreItem xmlns:ds="http://schemas.openxmlformats.org/officeDocument/2006/customXml" ds:itemID="{045DE328-9BD8-4FA1-9A42-FEF2C6C4A50E}">
+<ds:datastoreItem xmlns:ds="http://schemas.openxmlformats.org/officeDocument/2006/customXml" ds:itemID="{7B52E078-4EA7-4610-BD3F-D32144BE32A5}">
   <ds:schemaRefs/>
 </ds:datastoreItem>
 </file>
 
 <file path=customXml/itemProps19.xml><?xml version="1.0" encoding="utf-8"?>
-<ds:datastoreItem xmlns:ds="http://schemas.openxmlformats.org/officeDocument/2006/customXml" ds:itemID="{95CD9227-0306-4C25-B41F-F9AE7B6C8CF2}">
+<ds:datastoreItem xmlns:ds="http://schemas.openxmlformats.org/officeDocument/2006/customXml" ds:itemID="{FFF7CE72-1338-4045-A73E-2CEE94EB0032}">
   <ds:schemaRefs/>
 </ds:datastoreItem>
 </file>
@@ -21556,157 +22284,162 @@
 </file>
 
 <file path=customXml/itemProps20.xml><?xml version="1.0" encoding="utf-8"?>
+<ds:datastoreItem xmlns:ds="http://schemas.openxmlformats.org/officeDocument/2006/customXml" ds:itemID="{56D5C444-2FC7-4669-A241-89449625A154}">
+  <ds:schemaRefs/>
+</ds:datastoreItem>
+</file>
+
+<file path=customXml/itemProps21.xml><?xml version="1.0" encoding="utf-8"?>
+<ds:datastoreItem xmlns:ds="http://schemas.openxmlformats.org/officeDocument/2006/customXml" ds:itemID="{C9DE8D84-FA88-48DE-AB9A-F8A659973C45}">
+  <ds:schemaRefs>
+    <ds:schemaRef ds:uri="http://schemas.microsoft.com/sharepoint/v3/contenttype/forms"/>
+  </ds:schemaRefs>
+</ds:datastoreItem>
+</file>
+
+<file path=customXml/itemProps22.xml><?xml version="1.0" encoding="utf-8"?>
+<ds:datastoreItem xmlns:ds="http://schemas.openxmlformats.org/officeDocument/2006/customXml" ds:itemID="{78DEBB65-C76E-4626-929C-CBB9A930E940}">
+  <ds:schemaRefs/>
+</ds:datastoreItem>
+</file>
+
+<file path=customXml/itemProps23.xml><?xml version="1.0" encoding="utf-8"?>
+<ds:datastoreItem xmlns:ds="http://schemas.openxmlformats.org/officeDocument/2006/customXml" ds:itemID="{FF52D36D-045B-4FA7-8983-DDC83EB9F91D}">
+  <ds:schemaRefs/>
+</ds:datastoreItem>
+</file>
+
+<file path=customXml/itemProps24.xml><?xml version="1.0" encoding="utf-8"?>
+<ds:datastoreItem xmlns:ds="http://schemas.openxmlformats.org/officeDocument/2006/customXml" ds:itemID="{53259424-8451-42DE-99E9-CD1E6E9D24CC}">
+  <ds:schemaRefs/>
+</ds:datastoreItem>
+</file>
+
+<file path=customXml/itemProps25.xml><?xml version="1.0" encoding="utf-8"?>
+<ds:datastoreItem xmlns:ds="http://schemas.openxmlformats.org/officeDocument/2006/customXml" ds:itemID="{368164A7-F89C-43F0-8856-0052CD65B349}">
+  <ds:schemaRefs/>
+</ds:datastoreItem>
+</file>
+
+<file path=customXml/itemProps26.xml><?xml version="1.0" encoding="utf-8"?>
+<ds:datastoreItem xmlns:ds="http://schemas.openxmlformats.org/officeDocument/2006/customXml" ds:itemID="{D3607FA5-FF8A-403B-9F82-FF6CCFC04E6C}">
+  <ds:schemaRefs/>
+</ds:datastoreItem>
+</file>
+
+<file path=customXml/itemProps27.xml><?xml version="1.0" encoding="utf-8"?>
+<ds:datastoreItem xmlns:ds="http://schemas.openxmlformats.org/officeDocument/2006/customXml" ds:itemID="{C82D7058-4669-4E98-BC69-B9F7C5417984}">
+  <ds:schemaRefs/>
+</ds:datastoreItem>
+</file>
+
+<file path=customXml/itemProps28.xml><?xml version="1.0" encoding="utf-8"?>
+<ds:datastoreItem xmlns:ds="http://schemas.openxmlformats.org/officeDocument/2006/customXml" ds:itemID="{A458DCF4-8798-48F2-8861-D707FC1D13FB}">
+  <ds:schemaRefs/>
+</ds:datastoreItem>
+</file>
+
+<file path=customXml/itemProps29.xml><?xml version="1.0" encoding="utf-8"?>
+<ds:datastoreItem xmlns:ds="http://schemas.openxmlformats.org/officeDocument/2006/customXml" ds:itemID="{590DF574-5619-4D09-BE6A-A3F98764067C}">
+  <ds:schemaRefs/>
+</ds:datastoreItem>
+</file>
+
+<file path=customXml/itemProps3.xml><?xml version="1.0" encoding="utf-8"?>
+<ds:datastoreItem xmlns:ds="http://schemas.openxmlformats.org/officeDocument/2006/customXml" ds:itemID="{C3D5A9E1-A7B2-4163-8535-269787D26405}">
+  <ds:schemaRefs/>
+</ds:datastoreItem>
+</file>
+
+<file path=customXml/itemProps30.xml><?xml version="1.0" encoding="utf-8"?>
+<ds:datastoreItem xmlns:ds="http://schemas.openxmlformats.org/officeDocument/2006/customXml" ds:itemID="{36867421-F28E-4F76-A306-DD4BAFB1A19F}">
+  <ds:schemaRefs/>
+</ds:datastoreItem>
+</file>
+
+<file path=customXml/itemProps31.xml><?xml version="1.0" encoding="utf-8"?>
 <ds:datastoreItem xmlns:ds="http://schemas.openxmlformats.org/officeDocument/2006/customXml" ds:itemID="{EE5CF165-A958-44BF-82D1-B9F7CDA0AEDC}">
   <ds:schemaRefs/>
 </ds:datastoreItem>
 </file>
 
-<file path=customXml/itemProps21.xml><?xml version="1.0" encoding="utf-8"?>
-<ds:datastoreItem xmlns:ds="http://schemas.openxmlformats.org/officeDocument/2006/customXml" ds:itemID="{DA0EE755-65F5-470D-B30B-5718F97768B8}">
+<file path=customXml/itemProps32.xml><?xml version="1.0" encoding="utf-8"?>
+<ds:datastoreItem xmlns:ds="http://schemas.openxmlformats.org/officeDocument/2006/customXml" ds:itemID="{9FA50878-20D8-44BF-AA02-AEE0EF673E20}">
   <ds:schemaRefs/>
 </ds:datastoreItem>
 </file>
 
-<file path=customXml/itemProps22.xml><?xml version="1.0" encoding="utf-8"?>
-<ds:datastoreItem xmlns:ds="http://schemas.openxmlformats.org/officeDocument/2006/customXml" ds:itemID="{E9608FA1-4BA9-4BAD-88D1-1815870DB063}">
+<file path=customXml/itemProps33.xml><?xml version="1.0" encoding="utf-8"?>
+<ds:datastoreItem xmlns:ds="http://schemas.openxmlformats.org/officeDocument/2006/customXml" ds:itemID="{51D0B8D1-CF6B-487C-A69F-C8D9B0080994}">
   <ds:schemaRefs/>
 </ds:datastoreItem>
 </file>
 
-<file path=customXml/itemProps23.xml><?xml version="1.0" encoding="utf-8"?>
+<file path=customXml/itemProps34.xml><?xml version="1.0" encoding="utf-8"?>
+<ds:datastoreItem xmlns:ds="http://schemas.openxmlformats.org/officeDocument/2006/customXml" ds:itemID="{37724B2A-435E-42A4-B596-2ACA99FBB3B1}">
+  <ds:schemaRefs/>
+</ds:datastoreItem>
+</file>
+
+<file path=customXml/itemProps35.xml><?xml version="1.0" encoding="utf-8"?>
+<ds:datastoreItem xmlns:ds="http://schemas.openxmlformats.org/officeDocument/2006/customXml" ds:itemID="{2F5E7F31-4179-4A43-8E8F-6C4D462637FE}">
+  <ds:schemaRefs/>
+</ds:datastoreItem>
+</file>
+
+<file path=customXml/itemProps36.xml><?xml version="1.0" encoding="utf-8"?>
+<ds:datastoreItem xmlns:ds="http://schemas.openxmlformats.org/officeDocument/2006/customXml" ds:itemID="{FD195AB1-FAF8-46A5-94C3-CF8E9D2CF667}">
+  <ds:schemaRefs/>
+</ds:datastoreItem>
+</file>
+
+<file path=customXml/itemProps37.xml><?xml version="1.0" encoding="utf-8"?>
 <ds:datastoreItem xmlns:ds="http://schemas.openxmlformats.org/officeDocument/2006/customXml" ds:itemID="{260AFA69-15FF-40AC-B7BD-62B0F5400421}">
   <ds:schemaRefs/>
 </ds:datastoreItem>
 </file>
 
-<file path=customXml/itemProps24.xml><?xml version="1.0" encoding="utf-8"?>
-<ds:datastoreItem xmlns:ds="http://schemas.openxmlformats.org/officeDocument/2006/customXml" ds:itemID="{71F2E904-FFF5-49D4-AEC2-88AD5FE5462C}">
-  <ds:schemaRefs/>
-</ds:datastoreItem>
-</file>
-
-<file path=customXml/itemProps25.xml><?xml version="1.0" encoding="utf-8"?>
-<ds:datastoreItem xmlns:ds="http://schemas.openxmlformats.org/officeDocument/2006/customXml" ds:itemID="{C82D7058-4669-4E98-BC69-B9F7C5417984}">
-  <ds:schemaRefs/>
-</ds:datastoreItem>
-</file>
-
-<file path=customXml/itemProps26.xml><?xml version="1.0" encoding="utf-8"?>
-<ds:datastoreItem xmlns:ds="http://schemas.openxmlformats.org/officeDocument/2006/customXml" ds:itemID="{A4AE84F1-0497-410E-A0DD-BA3B9C72F002}">
-  <ds:schemaRefs/>
-</ds:datastoreItem>
-</file>
-
-<file path=customXml/itemProps27.xml><?xml version="1.0" encoding="utf-8"?>
-<ds:datastoreItem xmlns:ds="http://schemas.openxmlformats.org/officeDocument/2006/customXml" ds:itemID="{6D4AF97C-E776-4578-A7BB-88481737C97D}">
-  <ds:schemaRefs/>
-</ds:datastoreItem>
-</file>
-
-<file path=customXml/itemProps28.xml><?xml version="1.0" encoding="utf-8"?>
+<file path=customXml/itemProps38.xml><?xml version="1.0" encoding="utf-8"?>
 <ds:datastoreItem xmlns:ds="http://schemas.openxmlformats.org/officeDocument/2006/customXml" ds:itemID="{A5AF6C8B-211B-4327-A8CE-718789271662}">
   <ds:schemaRefs/>
 </ds:datastoreItem>
 </file>
 
-<file path=customXml/itemProps29.xml><?xml version="1.0" encoding="utf-8"?>
+<file path=customXml/itemProps39.xml><?xml version="1.0" encoding="utf-8"?>
+<ds:datastoreItem xmlns:ds="http://schemas.openxmlformats.org/officeDocument/2006/customXml" ds:itemID="{DCAB6743-E8F2-4952-B3C3-152886546566}">
+  <ds:schemaRefs/>
+</ds:datastoreItem>
+</file>
+
+<file path=customXml/itemProps4.xml><?xml version="1.0" encoding="utf-8"?>
 <ds:datastoreItem xmlns:ds="http://schemas.openxmlformats.org/officeDocument/2006/customXml" ds:itemID="{25CE08FD-F7B6-4F54-8EBC-75735FE238C3}">
   <ds:schemaRefs/>
 </ds:datastoreItem>
 </file>
 
-<file path=customXml/itemProps3.xml><?xml version="1.0" encoding="utf-8"?>
-<ds:datastoreItem xmlns:ds="http://schemas.openxmlformats.org/officeDocument/2006/customXml" ds:itemID="{53259424-8451-42DE-99E9-CD1E6E9D24CC}">
+<file path=customXml/itemProps40.xml><?xml version="1.0" encoding="utf-8"?>
+<ds:datastoreItem xmlns:ds="http://schemas.openxmlformats.org/officeDocument/2006/customXml" ds:itemID="{F5B30510-FD6A-466E-81F9-2CD7BA2076E5}">
   <ds:schemaRefs/>
 </ds:datastoreItem>
 </file>
 
-<file path=customXml/itemProps30.xml><?xml version="1.0" encoding="utf-8"?>
-<ds:datastoreItem xmlns:ds="http://schemas.openxmlformats.org/officeDocument/2006/customXml" ds:itemID="{71A33AC0-4D70-4075-8CC8-3C830303F313}">
+<file path=customXml/itemProps41.xml><?xml version="1.0" encoding="utf-8"?>
+<ds:datastoreItem xmlns:ds="http://schemas.openxmlformats.org/officeDocument/2006/customXml" ds:itemID="{20672111-011F-4D3B-8DDD-AD17BF83C4A5}">
+  <ds:schemaRefs>
+    <ds:schemaRef ds:uri="http://schemas.microsoft.com/office/2006/metadata/properties"/>
+    <ds:schemaRef ds:uri="http://schemas.microsoft.com/office/infopath/2007/PartnerControls"/>
+  </ds:schemaRefs>
+</ds:datastoreItem>
+</file>
+
+<file path=customXml/itemProps42.xml><?xml version="1.0" encoding="utf-8"?>
+<ds:datastoreItem xmlns:ds="http://schemas.openxmlformats.org/officeDocument/2006/customXml" ds:itemID="{4045C7B6-24CF-4215-AE01-E323DB3B7A8A}">
   <ds:schemaRefs/>
 </ds:datastoreItem>
 </file>
 
-<file path=customXml/itemProps31.xml><?xml version="1.0" encoding="utf-8"?>
+<file path=customXml/itemProps43.xml><?xml version="1.0" encoding="utf-8"?>
 <ds:datastoreItem xmlns:ds="http://schemas.openxmlformats.org/officeDocument/2006/customXml" ds:itemID="{E4A7A49D-BD5A-4EA2-99DB-B299554CDF1D}">
-  <ds:schemaRefs/>
-</ds:datastoreItem>
-</file>
-
-<file path=customXml/itemProps32.xml><?xml version="1.0" encoding="utf-8"?>
-<ds:datastoreItem xmlns:ds="http://schemas.openxmlformats.org/officeDocument/2006/customXml" ds:itemID="{ED1B54B5-70EE-4B6B-A6AB-919F5C401774}">
-  <ds:schemaRefs/>
-</ds:datastoreItem>
-</file>
-
-<file path=customXml/itemProps33.xml><?xml version="1.0" encoding="utf-8"?>
-<ds:datastoreItem xmlns:ds="http://schemas.openxmlformats.org/officeDocument/2006/customXml" ds:itemID="{A458DCF4-8798-48F2-8861-D707FC1D13FB}">
-  <ds:schemaRefs/>
-</ds:datastoreItem>
-</file>
-
-<file path=customXml/itemProps34.xml><?xml version="1.0" encoding="utf-8"?>
-<ds:datastoreItem xmlns:ds="http://schemas.openxmlformats.org/officeDocument/2006/customXml" ds:itemID="{1A8D2C13-948F-4883-8B3E-EDA55CF4B853}">
-  <ds:schemaRefs/>
-</ds:datastoreItem>
-</file>
-
-<file path=customXml/itemProps35.xml><?xml version="1.0" encoding="utf-8"?>
-<ds:datastoreItem xmlns:ds="http://schemas.openxmlformats.org/officeDocument/2006/customXml" ds:itemID="{7B52E078-4EA7-4610-BD3F-D32144BE32A5}">
-  <ds:schemaRefs/>
-</ds:datastoreItem>
-</file>
-
-<file path=customXml/itemProps36.xml><?xml version="1.0" encoding="utf-8"?>
-<ds:datastoreItem xmlns:ds="http://schemas.openxmlformats.org/officeDocument/2006/customXml" ds:itemID="{DCAB6743-E8F2-4952-B3C3-152886546566}">
-  <ds:schemaRefs/>
-</ds:datastoreItem>
-</file>
-
-<file path=customXml/itemProps37.xml><?xml version="1.0" encoding="utf-8"?>
-<ds:datastoreItem xmlns:ds="http://schemas.openxmlformats.org/officeDocument/2006/customXml" ds:itemID="{77D08309-005B-4AD0-A4E7-3C1EA99A6B71}">
-  <ds:schemaRefs/>
-</ds:datastoreItem>
-</file>
-
-<file path=customXml/itemProps38.xml><?xml version="1.0" encoding="utf-8"?>
-<ds:datastoreItem xmlns:ds="http://schemas.openxmlformats.org/officeDocument/2006/customXml" ds:itemID="{590DF574-5619-4D09-BE6A-A3F98764067C}">
-  <ds:schemaRefs/>
-</ds:datastoreItem>
-</file>
-
-<file path=customXml/itemProps39.xml><?xml version="1.0" encoding="utf-8"?>
-<ds:datastoreItem xmlns:ds="http://schemas.openxmlformats.org/officeDocument/2006/customXml" ds:itemID="{0FCBDB63-21A7-4C1A-A7AD-EE2A1A9AD7F5}">
-  <ds:schemaRefs/>
-</ds:datastoreItem>
-</file>
-
-<file path=customXml/itemProps4.xml><?xml version="1.0" encoding="utf-8"?>
-<ds:datastoreItem xmlns:ds="http://schemas.openxmlformats.org/officeDocument/2006/customXml" ds:itemID="{CC472C16-D918-4FD1-A8DC-961ED60C4BA4}">
-  <ds:schemaRefs/>
-</ds:datastoreItem>
-</file>
-
-<file path=customXml/itemProps40.xml><?xml version="1.0" encoding="utf-8"?>
-<ds:datastoreItem xmlns:ds="http://schemas.openxmlformats.org/officeDocument/2006/customXml" ds:itemID="{D22EC78B-30C5-43D9-845A-E4331A1B09B7}">
-  <ds:schemaRefs/>
-</ds:datastoreItem>
-</file>
-
-<file path=customXml/itemProps41.xml><?xml version="1.0" encoding="utf-8"?>
-<ds:datastoreItem xmlns:ds="http://schemas.openxmlformats.org/officeDocument/2006/customXml" ds:itemID="{9FA50878-20D8-44BF-AA02-AEE0EF673E20}">
-  <ds:schemaRefs/>
-</ds:datastoreItem>
-</file>
-
-<file path=customXml/itemProps42.xml><?xml version="1.0" encoding="utf-8"?>
-<ds:datastoreItem xmlns:ds="http://schemas.openxmlformats.org/officeDocument/2006/customXml" ds:itemID="{19C1D6F4-5630-4B49-88FC-08C1875830C7}">
-  <ds:schemaRefs/>
-</ds:datastoreItem>
-</file>
-
-<file path=customXml/itemProps43.xml><?xml version="1.0" encoding="utf-8"?>
-<ds:datastoreItem xmlns:ds="http://schemas.openxmlformats.org/officeDocument/2006/customXml" ds:itemID="{FFF7CE72-1338-4045-A73E-2CEE94EB0032}">
   <ds:schemaRefs/>
 </ds:datastoreItem>
 </file>
@@ -21718,72 +22451,84 @@
 </file>
 
 <file path=customXml/itemProps45.xml><?xml version="1.0" encoding="utf-8"?>
-<ds:datastoreItem xmlns:ds="http://schemas.openxmlformats.org/officeDocument/2006/customXml" ds:itemID="{F8CEC66F-69E7-480C-8073-9F193F9D502E}">
+<ds:datastoreItem xmlns:ds="http://schemas.openxmlformats.org/officeDocument/2006/customXml" ds:itemID="{E209A40C-9C6B-4663-9120-D4A53E198929}">
   <ds:schemaRefs/>
 </ds:datastoreItem>
 </file>
 
 <file path=customXml/itemProps46.xml><?xml version="1.0" encoding="utf-8"?>
-<ds:datastoreItem xmlns:ds="http://schemas.openxmlformats.org/officeDocument/2006/customXml" ds:itemID="{36867421-F28E-4F76-A306-DD4BAFB1A19F}">
+<ds:datastoreItem xmlns:ds="http://schemas.openxmlformats.org/officeDocument/2006/customXml" ds:itemID="{CC472C16-D918-4FD1-A8DC-961ED60C4BA4}">
   <ds:schemaRefs/>
 </ds:datastoreItem>
 </file>
 
 <file path=customXml/itemProps47.xml><?xml version="1.0" encoding="utf-8"?>
+<ds:datastoreItem xmlns:ds="http://schemas.openxmlformats.org/officeDocument/2006/customXml" ds:itemID="{067CD289-AAE9-47C2-A22E-4A438035E00B}">
+  <ds:schemaRefs/>
+</ds:datastoreItem>
+</file>
+
+<file path=customXml/itemProps48.xml><?xml version="1.0" encoding="utf-8"?>
+<ds:datastoreItem xmlns:ds="http://schemas.openxmlformats.org/officeDocument/2006/customXml" ds:itemID="{ACF74313-8E04-45E3-BC1F-23630242F11E}">
+  <ds:schemaRefs/>
+</ds:datastoreItem>
+</file>
+
+<file path=customXml/itemProps49.xml><?xml version="1.0" encoding="utf-8"?>
+<ds:datastoreItem xmlns:ds="http://schemas.openxmlformats.org/officeDocument/2006/customXml" ds:itemID="{045DE328-9BD8-4FA1-9A42-FEF2C6C4A50E}">
+  <ds:schemaRefs/>
+</ds:datastoreItem>
+</file>
+
+<file path=customXml/itemProps5.xml><?xml version="1.0" encoding="utf-8"?>
+<ds:datastoreItem xmlns:ds="http://schemas.openxmlformats.org/officeDocument/2006/customXml" ds:itemID="{0AC1D0B4-1DEB-4C0F-978E-5206534EF19E}">
+  <ds:schemaRefs/>
+</ds:datastoreItem>
+</file>
+
+<file path=customXml/itemProps50.xml><?xml version="1.0" encoding="utf-8"?>
+<ds:datastoreItem xmlns:ds="http://schemas.openxmlformats.org/officeDocument/2006/customXml" ds:itemID="{0FCBDB63-21A7-4C1A-A7AD-EE2A1A9AD7F5}">
+  <ds:schemaRefs/>
+</ds:datastoreItem>
+</file>
+
+<file path=customXml/itemProps51.xml><?xml version="1.0" encoding="utf-8"?>
+<ds:datastoreItem xmlns:ds="http://schemas.openxmlformats.org/officeDocument/2006/customXml" ds:itemID="{A4AE84F1-0497-410E-A0DD-BA3B9C72F002}">
+  <ds:schemaRefs/>
+</ds:datastoreItem>
+</file>
+
+<file path=customXml/itemProps52.xml><?xml version="1.0" encoding="utf-8"?>
+<ds:datastoreItem xmlns:ds="http://schemas.openxmlformats.org/officeDocument/2006/customXml" ds:itemID="{DA0EE755-65F5-470D-B30B-5718F97768B8}">
+  <ds:schemaRefs/>
+</ds:datastoreItem>
+</file>
+
+<file path=customXml/itemProps53.xml><?xml version="1.0" encoding="utf-8"?>
+<ds:datastoreItem xmlns:ds="http://schemas.openxmlformats.org/officeDocument/2006/customXml" ds:itemID="{1A8D2C13-948F-4883-8B3E-EDA55CF4B853}">
+  <ds:schemaRefs/>
+</ds:datastoreItem>
+</file>
+
+<file path=customXml/itemProps54.xml><?xml version="1.0" encoding="utf-8"?>
+<ds:datastoreItem xmlns:ds="http://schemas.openxmlformats.org/officeDocument/2006/customXml" ds:itemID="{19C1D6F4-5630-4B49-88FC-08C1875830C7}">
+  <ds:schemaRefs/>
+</ds:datastoreItem>
+</file>
+
+<file path=customXml/itemProps55.xml><?xml version="1.0" encoding="utf-8"?>
 <ds:datastoreItem xmlns:ds="http://schemas.openxmlformats.org/officeDocument/2006/customXml" ds:itemID="{2F392A9E-5CAA-4E86-B760-E9BA9E70907F}">
   <ds:schemaRefs/>
 </ds:datastoreItem>
 </file>
 
-<file path=customXml/itemProps48.xml><?xml version="1.0" encoding="utf-8"?>
-<ds:datastoreItem xmlns:ds="http://schemas.openxmlformats.org/officeDocument/2006/customXml" ds:itemID="{56D5C444-2FC7-4669-A241-89449625A154}">
-  <ds:schemaRefs/>
-</ds:datastoreItem>
-</file>
-
-<file path=customXml/itemProps49.xml><?xml version="1.0" encoding="utf-8"?>
-<ds:datastoreItem xmlns:ds="http://schemas.openxmlformats.org/officeDocument/2006/customXml" ds:itemID="{F5B30510-FD6A-466E-81F9-2CD7BA2076E5}">
-  <ds:schemaRefs/>
-</ds:datastoreItem>
-</file>
-
-<file path=customXml/itemProps5.xml><?xml version="1.0" encoding="utf-8"?>
-<ds:datastoreItem xmlns:ds="http://schemas.openxmlformats.org/officeDocument/2006/customXml" ds:itemID="{B8F0372F-8CCC-4B1C-B0CA-1FD5C7FE62EF}">
-  <ds:schemaRefs/>
-</ds:datastoreItem>
-</file>
-
-<file path=customXml/itemProps50.xml><?xml version="1.0" encoding="utf-8"?>
+<file path=customXml/itemProps56.xml><?xml version="1.0" encoding="utf-8"?>
 <ds:datastoreItem xmlns:ds="http://schemas.openxmlformats.org/officeDocument/2006/customXml" ds:itemID="{B246057B-C9A2-480B-AD00-9312F3743FE3}">
   <ds:schemaRefs/>
 </ds:datastoreItem>
 </file>
 
-<file path=customXml/itemProps51.xml><?xml version="1.0" encoding="utf-8"?>
-<ds:datastoreItem xmlns:ds="http://schemas.openxmlformats.org/officeDocument/2006/customXml" ds:itemID="{FF52D36D-045B-4FA7-8983-DDC83EB9F91D}">
-  <ds:schemaRefs/>
-</ds:datastoreItem>
-</file>
-
-<file path=customXml/itemProps52.xml><?xml version="1.0" encoding="utf-8"?>
-<ds:datastoreItem xmlns:ds="http://schemas.openxmlformats.org/officeDocument/2006/customXml" ds:itemID="{E209A40C-9C6B-4663-9120-D4A53E198929}">
-  <ds:schemaRefs/>
-</ds:datastoreItem>
-</file>
-
-<file path=customXml/itemProps53.xml><?xml version="1.0" encoding="utf-8"?>
-<ds:datastoreItem xmlns:ds="http://schemas.openxmlformats.org/officeDocument/2006/customXml" ds:itemID="{9079C530-3D1D-4722-A7EA-16215758514C}">
-  <ds:schemaRefs/>
-</ds:datastoreItem>
-</file>
-
-<file path=customXml/itemProps54.xml><?xml version="1.0" encoding="utf-8"?>
-<ds:datastoreItem xmlns:ds="http://schemas.openxmlformats.org/officeDocument/2006/customXml" ds:itemID="{51D0B8D1-CF6B-487C-A69F-C8D9B0080994}">
-  <ds:schemaRefs/>
-</ds:datastoreItem>
-</file>
-
-<file path=customXml/itemProps55.xml><?xml version="1.0" encoding="utf-8"?>
+<file path=customXml/itemProps57.xml><?xml version="1.0" encoding="utf-8"?>
 <ds:datastoreItem xmlns:ds="http://schemas.openxmlformats.org/officeDocument/2006/customXml" ds:itemID="{8058185D-8538-4C58-8E08-31EBE1592888}">
   <ds:schemaRefs>
     <ds:schemaRef ds:uri="http://schemas.microsoft.com/office/2006/metadata/contentType"/>
@@ -21802,43 +22547,50 @@
 </ds:datastoreItem>
 </file>
 
-<file path=customXml/itemProps56.xml><?xml version="1.0" encoding="utf-8"?>
-<ds:datastoreItem xmlns:ds="http://schemas.openxmlformats.org/officeDocument/2006/customXml" ds:itemID="{C9DE8D84-FA88-48DE-AB9A-F8A659973C45}">
-  <ds:schemaRefs>
-    <ds:schemaRef ds:uri="http://schemas.microsoft.com/sharepoint/v3/contenttype/forms"/>
-  </ds:schemaRefs>
-</ds:datastoreItem>
-</file>
-
-<file path=customXml/itemProps57.xml><?xml version="1.0" encoding="utf-8"?>
-<ds:datastoreItem xmlns:ds="http://schemas.openxmlformats.org/officeDocument/2006/customXml" ds:itemID="{20672111-011F-4D3B-8DDD-AD17BF83C4A5}">
-  <ds:schemaRefs>
-    <ds:schemaRef ds:uri="http://schemas.microsoft.com/office/2006/metadata/properties"/>
-    <ds:schemaRef ds:uri="http://schemas.microsoft.com/office/infopath/2007/PartnerControls"/>
-  </ds:schemaRefs>
-</ds:datastoreItem>
-</file>
-
-<file path=customXml/itemProps6.xml><?xml version="1.0" encoding="utf-8"?>
-<ds:datastoreItem xmlns:ds="http://schemas.openxmlformats.org/officeDocument/2006/customXml" ds:itemID="{2F5E7F31-4179-4A43-8E8F-6C4D462637FE}">
+<file path=customXml/itemProps58.xml><?xml version="1.0" encoding="utf-8"?>
+<ds:datastoreItem xmlns:ds="http://schemas.openxmlformats.org/officeDocument/2006/customXml" ds:itemID="{A295AFF5-C568-457F-B96F-4331C6331A96}">
   <ds:schemaRefs/>
 </ds:datastoreItem>
 </file>
 
-<file path=customXml/itemProps7.xml><?xml version="1.0" encoding="utf-8"?>
-<ds:datastoreItem xmlns:ds="http://schemas.openxmlformats.org/officeDocument/2006/customXml" ds:itemID="{9117BA10-B137-4884-BAD1-8347BA164335}">
+<file path=customXml/itemProps59.xml><?xml version="1.0" encoding="utf-8"?>
+<ds:datastoreItem xmlns:ds="http://schemas.openxmlformats.org/officeDocument/2006/customXml" ds:itemID="{B3883798-D571-4FA7-A8FC-2BF60DA04CF4}">
   <ds:schemaRefs/>
 </ds:datastoreItem>
 </file>
 
-<file path=customXml/itemProps8.xml><?xml version="1.0" encoding="utf-8"?>
-<ds:datastoreItem xmlns:ds="http://schemas.openxmlformats.org/officeDocument/2006/customXml" ds:itemID="{78DEBB65-C76E-4626-929C-CBB9A930E940}">
+<file path=customXml/itemProps6.xml><?xml version="1.0" encoding="utf-8"?>
+<ds:datastoreItem xmlns:ds="http://schemas.openxmlformats.org/officeDocument/2006/customXml" ds:itemID="{71F2E904-FFF5-49D4-AEC2-88AD5FE5462C}">
   <ds:schemaRefs/>
 </ds:datastoreItem>
 </file>
 
+<file path=customXml/itemProps60.xml><?xml version="1.0" encoding="utf-8"?>
+<ds:datastoreItem xmlns:ds="http://schemas.openxmlformats.org/officeDocument/2006/customXml" ds:itemID="{48083304-92B2-47CA-9747-CB5265A90163}">
+  <ds:schemaRefs/>
+</ds:datastoreItem>
+</file>
+
+<file path=customXml/itemProps61.xml><?xml version="1.0" encoding="utf-8"?>
+<ds:datastoreItem xmlns:ds="http://schemas.openxmlformats.org/officeDocument/2006/customXml" ds:itemID="{BD57E4CD-B469-4ABE-BD8F-0A541808B7DC}">
+  <ds:schemaRefs/>
+</ds:datastoreItem>
+</file>
+
+<file path=customXml/itemProps7.xml><?xml version="1.0" encoding="utf-8"?>
+<ds:datastoreItem xmlns:ds="http://schemas.openxmlformats.org/officeDocument/2006/customXml" ds:itemID="{ED1B54B5-70EE-4B6B-A6AB-919F5C401774}">
+  <ds:schemaRefs/>
+</ds:datastoreItem>
+</file>
+
+<file path=customXml/itemProps8.xml><?xml version="1.0" encoding="utf-8"?>
+<ds:datastoreItem xmlns:ds="http://schemas.openxmlformats.org/officeDocument/2006/customXml" ds:itemID="{77D08309-005B-4AD0-A4E7-3C1EA99A6B71}">
+  <ds:schemaRefs/>
+</ds:datastoreItem>
+</file>
+
 <file path=customXml/itemProps9.xml><?xml version="1.0" encoding="utf-8"?>
-<ds:datastoreItem xmlns:ds="http://schemas.openxmlformats.org/officeDocument/2006/customXml" ds:itemID="{067CD289-AAE9-47C2-A22E-4A438035E00B}">
+<ds:datastoreItem xmlns:ds="http://schemas.openxmlformats.org/officeDocument/2006/customXml" ds:itemID="{D22EC78B-30C5-43D9-845A-E4331A1B09B7}">
   <ds:schemaRefs/>
 </ds:datastoreItem>
 </file>